--- a/5_seminar/Contents_Part_03/Präsentation_Teil4.pptx
+++ b/5_seminar/Contents_Part_03/Präsentation_Teil4.pptx
@@ -212,7 +212,7 @@
           <a:p>
             <a:fld id="{7A5B87F2-13FD-4A24-9F19-39B31C60B536}" type="datetimeFigureOut">
               <a:rPr lang="en-US" smtClean="0"/>
-              <a:t>3/30/2021</a:t>
+              <a:t>5/3/2021</a:t>
             </a:fld>
             <a:endParaRPr lang="en-US"/>
           </a:p>
@@ -276,35 +276,35 @@
           <a:p>
             <a:pPr lvl="0"/>
             <a:r>
-              <a:rPr lang="de-DE" smtClean="0"/>
+              <a:rPr lang="de-DE"/>
               <a:t>Formatvorlagen des Textmasters bearbeiten</a:t>
             </a:r>
           </a:p>
           <a:p>
             <a:pPr lvl="1"/>
             <a:r>
-              <a:rPr lang="de-DE" smtClean="0"/>
+              <a:rPr lang="de-DE"/>
               <a:t>Zweite Ebene</a:t>
             </a:r>
           </a:p>
           <a:p>
             <a:pPr lvl="2"/>
             <a:r>
-              <a:rPr lang="de-DE" smtClean="0"/>
+              <a:rPr lang="de-DE"/>
               <a:t>Dritte Ebene</a:t>
             </a:r>
           </a:p>
           <a:p>
             <a:pPr lvl="3"/>
             <a:r>
-              <a:rPr lang="de-DE" smtClean="0"/>
+              <a:rPr lang="de-DE"/>
               <a:t>Vierte Ebene</a:t>
             </a:r>
           </a:p>
           <a:p>
             <a:pPr lvl="4"/>
             <a:r>
-              <a:rPr lang="de-DE" smtClean="0"/>
+              <a:rPr lang="de-DE"/>
               <a:t>Fünfte Ebene</a:t>
             </a:r>
             <a:endParaRPr lang="en-US"/>
@@ -371,7 +371,7 @@
           <a:p>
             <a:fld id="{20A41429-B750-4047-B563-2878417A70E7}" type="slidenum">
               <a:rPr lang="en-US" smtClean="0"/>
-              <a:t>‹Nr.›</a:t>
+              <a:t>‹#›</a:t>
             </a:fld>
             <a:endParaRPr lang="en-US"/>
           </a:p>
@@ -525,10 +525,9 @@
           <a:lstStyle/>
           <a:p>
             <a:r>
-              <a:rPr lang="en-US" dirty="0" smtClean="0"/>
+              <a:rPr lang="en-US" dirty="0"/>
               <a:t>Black Box</a:t>
             </a:r>
-            <a:endParaRPr lang="en-US" dirty="0"/>
           </a:p>
         </p:txBody>
       </p:sp>
@@ -613,28 +612,28 @@
           <a:lstStyle/>
           <a:p>
             <a:r>
-              <a:rPr lang="en-GB" dirty="0" smtClean="0"/>
+              <a:rPr lang="en-GB" dirty="0"/>
               <a:t>Split strings in word or sub-word token strings</a:t>
             </a:r>
             <a:r>
-              <a:rPr lang="en-US" dirty="0" smtClean="0"/>
+              <a:rPr lang="en-US" dirty="0"/>
               <a:t>,</a:t>
             </a:r>
             <a:r>
-              <a:rPr lang="en-US" baseline="0" dirty="0" smtClean="0"/>
+              <a:rPr lang="en-US" baseline="0" dirty="0"/>
               <a:t> </a:t>
             </a:r>
             <a:r>
-              <a:rPr lang="en-US" dirty="0" smtClean="0"/>
+              <a:rPr lang="en-US" dirty="0"/>
               <a:t>Converting tokens strings to ids.</a:t>
             </a:r>
           </a:p>
           <a:p>
-            <a:endParaRPr lang="en-US" dirty="0" smtClean="0"/>
-          </a:p>
-          <a:p>
-            <a:r>
-              <a:rPr lang="en-GB" sz="1200" b="0" i="0" kern="1200" dirty="0" smtClean="0">
+            <a:endParaRPr lang="en-US" dirty="0"/>
+          </a:p>
+          <a:p>
+            <a:r>
+              <a:rPr lang="en-GB" sz="1200" b="0" i="0" kern="1200" dirty="0">
                 <a:solidFill>
                   <a:schemeClr val="tx1"/>
                 </a:solidFill>
@@ -647,7 +646,7 @@
             </a:r>
           </a:p>
           <a:p>
-            <a:endParaRPr lang="en-GB" sz="1200" b="0" i="0" kern="1200" dirty="0" smtClean="0">
+            <a:endParaRPr lang="en-GB" sz="1200" b="0" i="0" kern="1200" dirty="0">
               <a:solidFill>
                 <a:schemeClr val="tx1"/>
               </a:solidFill>
@@ -659,7 +658,7 @@
           </a:p>
           <a:p>
             <a:r>
-              <a:rPr lang="en-GB" sz="1200" b="1" i="0" kern="1200" dirty="0" smtClean="0">
+              <a:rPr lang="en-GB" sz="1200" b="1" i="0" kern="1200" dirty="0">
                 <a:solidFill>
                   <a:schemeClr val="tx1"/>
                 </a:solidFill>
@@ -671,7 +670,7 @@
               <a:t>Token </a:t>
             </a:r>
             <a:r>
-              <a:rPr lang="en-GB" sz="1200" b="1" i="0" kern="1200" dirty="0" err="1" smtClean="0">
+              <a:rPr lang="en-GB" sz="1200" b="1" i="0" kern="1200" dirty="0" err="1">
                 <a:solidFill>
                   <a:schemeClr val="tx1"/>
                 </a:solidFill>
@@ -683,7 +682,7 @@
               <a:t>embeddings</a:t>
             </a:r>
             <a:r>
-              <a:rPr lang="en-GB" sz="1200" b="1" i="0" kern="1200" dirty="0" smtClean="0">
+              <a:rPr lang="en-GB" sz="1200" b="1" i="0" kern="1200" dirty="0">
                 <a:solidFill>
                   <a:schemeClr val="tx1"/>
                 </a:solidFill>
@@ -695,7 +694,7 @@
               <a:t> </a:t>
             </a:r>
             <a:r>
-              <a:rPr lang="en-GB" sz="1200" b="0" i="0" kern="1200" dirty="0" smtClean="0">
+              <a:rPr lang="en-GB" sz="1200" b="0" i="0" kern="1200" dirty="0">
                 <a:solidFill>
                   <a:schemeClr val="tx1"/>
                 </a:solidFill>
@@ -709,7 +708,7 @@
           </a:p>
           <a:p>
             <a:r>
-              <a:rPr lang="en-GB" sz="1200" b="1" i="0" kern="1200" dirty="0" smtClean="0">
+              <a:rPr lang="en-GB" sz="1200" b="1" i="0" kern="1200" dirty="0">
                 <a:solidFill>
                   <a:schemeClr val="tx1"/>
                 </a:solidFill>
@@ -721,7 +720,7 @@
               <a:t>Sentence </a:t>
             </a:r>
             <a:r>
-              <a:rPr lang="en-GB" sz="1200" b="1" i="0" kern="1200" dirty="0" err="1" smtClean="0">
+              <a:rPr lang="en-GB" sz="1200" b="1" i="0" kern="1200" dirty="0" err="1">
                 <a:solidFill>
                   <a:schemeClr val="tx1"/>
                 </a:solidFill>
@@ -733,7 +732,7 @@
               <a:t>Embeddings</a:t>
             </a:r>
             <a:r>
-              <a:rPr lang="en-GB" sz="1200" b="1" i="0" kern="1200" dirty="0" smtClean="0">
+              <a:rPr lang="en-GB" sz="1200" b="1" i="0" kern="1200" dirty="0">
                 <a:solidFill>
                   <a:schemeClr val="tx1"/>
                 </a:solidFill>
@@ -745,7 +744,7 @@
               <a:t> </a:t>
             </a:r>
             <a:r>
-              <a:rPr lang="en-GB" sz="1200" b="0" i="0" kern="1200" dirty="0" smtClean="0">
+              <a:rPr lang="en-GB" sz="1200" b="0" i="0" kern="1200" dirty="0">
                 <a:solidFill>
                   <a:schemeClr val="tx1"/>
                 </a:solidFill>
@@ -759,7 +758,7 @@
           </a:p>
           <a:p>
             <a:r>
-              <a:rPr lang="en-GB" sz="1200" b="0" i="0" kern="1200" dirty="0" smtClean="0">
+              <a:rPr lang="en-GB" sz="1200" b="0" i="0" kern="1200" dirty="0">
                 <a:solidFill>
                   <a:schemeClr val="tx1"/>
                 </a:solidFill>
@@ -771,7 +770,7 @@
               <a:t>And lastly, </a:t>
             </a:r>
             <a:r>
-              <a:rPr lang="en-GB" sz="1200" b="1" i="0" kern="1200" dirty="0" smtClean="0">
+              <a:rPr lang="en-GB" sz="1200" b="1" i="0" kern="1200" dirty="0">
                 <a:solidFill>
                   <a:schemeClr val="tx1"/>
                 </a:solidFill>
@@ -783,7 +782,7 @@
               <a:t>Transformer positional </a:t>
             </a:r>
             <a:r>
-              <a:rPr lang="en-GB" sz="1200" b="1" i="0" kern="1200" dirty="0" err="1" smtClean="0">
+              <a:rPr lang="en-GB" sz="1200" b="1" i="0" kern="1200" dirty="0" err="1">
                 <a:solidFill>
                   <a:schemeClr val="tx1"/>
                 </a:solidFill>
@@ -795,7 +794,7 @@
               <a:t>embeddings</a:t>
             </a:r>
             <a:r>
-              <a:rPr lang="en-GB" sz="1200" b="1" i="0" kern="1200" dirty="0" smtClean="0">
+              <a:rPr lang="en-GB" sz="1200" b="1" i="0" kern="1200" dirty="0">
                 <a:solidFill>
                   <a:schemeClr val="tx1"/>
                 </a:solidFill>
@@ -807,7 +806,7 @@
               <a:t> </a:t>
             </a:r>
             <a:r>
-              <a:rPr lang="en-GB" sz="1200" b="0" i="0" kern="1200" dirty="0" smtClean="0">
+              <a:rPr lang="en-GB" sz="1200" b="0" i="0" kern="1200" dirty="0">
                 <a:solidFill>
                   <a:schemeClr val="tx1"/>
                 </a:solidFill>
@@ -819,7 +818,7 @@
               <a:t>indicate the position of each word in the sequence</a:t>
             </a:r>
             <a:r>
-              <a:rPr lang="en-GB" sz="1200" b="0" i="0" kern="1200" smtClean="0">
+              <a:rPr lang="en-GB" sz="1200" b="0" i="0" kern="1200">
                 <a:solidFill>
                   <a:schemeClr val="tx1"/>
                 </a:solidFill>
@@ -830,7 +829,7 @@
               </a:rPr>
               <a:t>. </a:t>
             </a:r>
-            <a:endParaRPr lang="en-GB" sz="1200" b="0" i="0" kern="1200" dirty="0" smtClean="0">
+            <a:endParaRPr lang="en-GB" sz="1200" b="0" i="0" kern="1200" dirty="0">
               <a:solidFill>
                 <a:schemeClr val="tx1"/>
               </a:solidFill>
@@ -842,7 +841,7 @@
           </a:p>
           <a:p>
             <a:r>
-              <a:rPr lang="en-GB" sz="1200" b="0" i="0" kern="1200" dirty="0" smtClean="0">
+              <a:rPr lang="en-GB" sz="1200" b="0" i="0" kern="1200" dirty="0">
                 <a:solidFill>
                   <a:schemeClr val="tx1"/>
                 </a:solidFill>
@@ -855,7 +854,7 @@
               <a:t> </a:t>
             </a:r>
             <a:r>
-              <a:rPr lang="en-GB" sz="1200" b="0" i="0" kern="1200" dirty="0" smtClean="0">
+              <a:rPr lang="en-GB" sz="1200" b="0" i="0" kern="1200" dirty="0">
                 <a:solidFill>
                   <a:schemeClr val="tx1"/>
                 </a:solidFill>
@@ -866,7 +865,7 @@
               </a:rPr>
               <a:t>each output per token from each layer of these can be used as a word embedding</a:t>
             </a:r>
-            <a:endParaRPr lang="en-US" b="0" dirty="0" smtClean="0"/>
+            <a:endParaRPr lang="en-US" b="0" dirty="0"/>
           </a:p>
           <a:p>
             <a:endParaRPr lang="en-US" dirty="0"/>
@@ -954,7 +953,7 @@
           <a:lstStyle/>
           <a:p>
             <a:r>
-              <a:rPr lang="en-GB" sz="1200" b="0" i="0" u="none" strike="noStrike" kern="1200" baseline="0" dirty="0" smtClean="0">
+              <a:rPr lang="en-GB" sz="1200" b="0" i="0" u="none" strike="noStrike" kern="1200" baseline="0" dirty="0">
                 <a:solidFill>
                   <a:schemeClr val="tx1"/>
                 </a:solidFill>
@@ -965,7 +964,7 @@
               <a:t>For </a:t>
             </a:r>
             <a:r>
-              <a:rPr lang="en-GB" sz="1200" b="0" i="0" u="none" strike="noStrike" kern="1200" baseline="0" dirty="0" err="1" smtClean="0">
+              <a:rPr lang="en-GB" sz="1200" b="0" i="0" u="none" strike="noStrike" kern="1200" baseline="0" dirty="0" err="1">
                 <a:solidFill>
                   <a:schemeClr val="tx1"/>
                 </a:solidFill>
@@ -976,7 +975,7 @@
               <a:t>pretraining</a:t>
             </a:r>
             <a:r>
-              <a:rPr lang="en-GB" sz="1200" b="0" i="0" u="none" strike="noStrike" kern="1200" baseline="0" dirty="0" smtClean="0">
+              <a:rPr lang="en-GB" sz="1200" b="0" i="0" u="none" strike="noStrike" kern="1200" baseline="0" dirty="0">
                 <a:solidFill>
                   <a:schemeClr val="tx1"/>
                 </a:solidFill>
@@ -987,7 +986,7 @@
               <a:t> original BERT: Massive lexical resources (</a:t>
             </a:r>
             <a:r>
-              <a:rPr lang="en-GB" sz="1200" b="0" i="0" u="none" strike="noStrike" kern="1200" baseline="0" dirty="0" err="1" smtClean="0">
+              <a:rPr lang="en-GB" sz="1200" b="0" i="0" u="none" strike="noStrike" kern="1200" baseline="0" dirty="0" err="1">
                 <a:solidFill>
                   <a:schemeClr val="tx1"/>
                 </a:solidFill>
@@ -998,7 +997,7 @@
               <a:t>BooksCorpus</a:t>
             </a:r>
             <a:r>
-              <a:rPr lang="en-GB" sz="1200" b="0" i="0" u="none" strike="noStrike" kern="1200" baseline="0" dirty="0" smtClean="0">
+              <a:rPr lang="en-GB" sz="1200" b="0" i="0" u="none" strike="noStrike" kern="1200" baseline="0" dirty="0">
                 <a:solidFill>
                   <a:schemeClr val="tx1"/>
                 </a:solidFill>
@@ -1009,7 +1008,7 @@
               <a:t> + Eng. Wikipedia) -&gt;</a:t>
             </a:r>
             <a:r>
-              <a:rPr lang="en-US" sz="1200" b="0" i="0" u="none" strike="noStrike" kern="1200" baseline="0" dirty="0" smtClean="0">
+              <a:rPr lang="en-US" sz="1200" b="0" i="0" u="none" strike="noStrike" kern="1200" baseline="0" dirty="0">
                 <a:solidFill>
                   <a:schemeClr val="tx1"/>
                 </a:solidFill>
@@ -1101,7 +1100,7 @@
           </a:lstStyle>
           <a:p>
             <a:r>
-              <a:rPr lang="de-DE" smtClean="0"/>
+              <a:rPr lang="de-DE"/>
               <a:t>Titelmasterformat durch Klicken bearbeiten</a:t>
             </a:r>
             <a:endParaRPr lang="en-US"/>
@@ -1166,7 +1165,7 @@
           </a:lstStyle>
           <a:p>
             <a:r>
-              <a:rPr lang="de-DE" smtClean="0"/>
+              <a:rPr lang="de-DE"/>
               <a:t>Formatvorlage des Untertitelmasters durch Klicken bearbeiten</a:t>
             </a:r>
             <a:endParaRPr lang="en-US"/>
@@ -1190,7 +1189,7 @@
           <a:p>
             <a:fld id="{5A1811BA-6AD9-41A7-B7A2-456C8523519C}" type="datetime1">
               <a:rPr lang="en-US" smtClean="0"/>
-              <a:t>3/30/2021</a:t>
+              <a:t>5/3/2021</a:t>
             </a:fld>
             <a:endParaRPr lang="en-US"/>
           </a:p>
@@ -1232,7 +1231,7 @@
           <a:p>
             <a:fld id="{C9E0B00B-E6DF-4183-A694-3DE28BEFB357}" type="slidenum">
               <a:rPr lang="en-US" smtClean="0"/>
-              <a:t>‹Nr.›</a:t>
+              <a:t>‹#›</a:t>
             </a:fld>
             <a:endParaRPr lang="en-US"/>
           </a:p>
@@ -1284,7 +1283,7 @@
           <a:lstStyle/>
           <a:p>
             <a:r>
-              <a:rPr lang="de-DE" smtClean="0"/>
+              <a:rPr lang="de-DE"/>
               <a:t>Titelmasterformat durch Klicken bearbeiten</a:t>
             </a:r>
             <a:endParaRPr lang="en-US"/>
@@ -1308,35 +1307,35 @@
           <a:p>
             <a:pPr lvl="0"/>
             <a:r>
-              <a:rPr lang="de-DE" smtClean="0"/>
+              <a:rPr lang="de-DE"/>
               <a:t>Formatvorlagen des Textmasters bearbeiten</a:t>
             </a:r>
           </a:p>
           <a:p>
             <a:pPr lvl="1"/>
             <a:r>
-              <a:rPr lang="de-DE" smtClean="0"/>
+              <a:rPr lang="de-DE"/>
               <a:t>Zweite Ebene</a:t>
             </a:r>
           </a:p>
           <a:p>
             <a:pPr lvl="2"/>
             <a:r>
-              <a:rPr lang="de-DE" smtClean="0"/>
+              <a:rPr lang="de-DE"/>
               <a:t>Dritte Ebene</a:t>
             </a:r>
           </a:p>
           <a:p>
             <a:pPr lvl="3"/>
             <a:r>
-              <a:rPr lang="de-DE" smtClean="0"/>
+              <a:rPr lang="de-DE"/>
               <a:t>Vierte Ebene</a:t>
             </a:r>
           </a:p>
           <a:p>
             <a:pPr lvl="4"/>
             <a:r>
-              <a:rPr lang="de-DE" smtClean="0"/>
+              <a:rPr lang="de-DE"/>
               <a:t>Fünfte Ebene</a:t>
             </a:r>
             <a:endParaRPr lang="en-US"/>
@@ -1360,7 +1359,7 @@
           <a:p>
             <a:fld id="{B0494441-C196-4BB0-93EE-AF22360207AB}" type="datetime1">
               <a:rPr lang="en-US" smtClean="0"/>
-              <a:t>3/30/2021</a:t>
+              <a:t>5/3/2021</a:t>
             </a:fld>
             <a:endParaRPr lang="en-US"/>
           </a:p>
@@ -1402,7 +1401,7 @@
           <a:p>
             <a:fld id="{C9E0B00B-E6DF-4183-A694-3DE28BEFB357}" type="slidenum">
               <a:rPr lang="en-US" smtClean="0"/>
-              <a:t>‹Nr.›</a:t>
+              <a:t>‹#›</a:t>
             </a:fld>
             <a:endParaRPr lang="en-US"/>
           </a:p>
@@ -1459,7 +1458,7 @@
           <a:lstStyle/>
           <a:p>
             <a:r>
-              <a:rPr lang="de-DE" smtClean="0"/>
+              <a:rPr lang="de-DE"/>
               <a:t>Titelmasterformat durch Klicken bearbeiten</a:t>
             </a:r>
             <a:endParaRPr lang="en-US"/>
@@ -1488,35 +1487,35 @@
           <a:p>
             <a:pPr lvl="0"/>
             <a:r>
-              <a:rPr lang="de-DE" smtClean="0"/>
+              <a:rPr lang="de-DE"/>
               <a:t>Formatvorlagen des Textmasters bearbeiten</a:t>
             </a:r>
           </a:p>
           <a:p>
             <a:pPr lvl="1"/>
             <a:r>
-              <a:rPr lang="de-DE" smtClean="0"/>
+              <a:rPr lang="de-DE"/>
               <a:t>Zweite Ebene</a:t>
             </a:r>
           </a:p>
           <a:p>
             <a:pPr lvl="2"/>
             <a:r>
-              <a:rPr lang="de-DE" smtClean="0"/>
+              <a:rPr lang="de-DE"/>
               <a:t>Dritte Ebene</a:t>
             </a:r>
           </a:p>
           <a:p>
             <a:pPr lvl="3"/>
             <a:r>
-              <a:rPr lang="de-DE" smtClean="0"/>
+              <a:rPr lang="de-DE"/>
               <a:t>Vierte Ebene</a:t>
             </a:r>
           </a:p>
           <a:p>
             <a:pPr lvl="4"/>
             <a:r>
-              <a:rPr lang="de-DE" smtClean="0"/>
+              <a:rPr lang="de-DE"/>
               <a:t>Fünfte Ebene</a:t>
             </a:r>
             <a:endParaRPr lang="en-US"/>
@@ -1540,7 +1539,7 @@
           <a:p>
             <a:fld id="{D7B9282B-C3CE-4F56-8DD1-5349F982F1D2}" type="datetime1">
               <a:rPr lang="en-US" smtClean="0"/>
-              <a:t>3/30/2021</a:t>
+              <a:t>5/3/2021</a:t>
             </a:fld>
             <a:endParaRPr lang="en-US"/>
           </a:p>
@@ -1582,7 +1581,7 @@
           <a:p>
             <a:fld id="{C9E0B00B-E6DF-4183-A694-3DE28BEFB357}" type="slidenum">
               <a:rPr lang="en-US" smtClean="0"/>
-              <a:t>‹Nr.›</a:t>
+              <a:t>‹#›</a:t>
             </a:fld>
             <a:endParaRPr lang="en-US"/>
           </a:p>
@@ -1634,7 +1633,7 @@
           <a:lstStyle/>
           <a:p>
             <a:r>
-              <a:rPr lang="de-DE" smtClean="0"/>
+              <a:rPr lang="de-DE"/>
               <a:t>Titelmasterformat durch Klicken bearbeiten</a:t>
             </a:r>
             <a:endParaRPr lang="en-US"/>
@@ -1658,35 +1657,35 @@
           <a:p>
             <a:pPr lvl="0"/>
             <a:r>
-              <a:rPr lang="de-DE" smtClean="0"/>
+              <a:rPr lang="de-DE"/>
               <a:t>Formatvorlagen des Textmasters bearbeiten</a:t>
             </a:r>
           </a:p>
           <a:p>
             <a:pPr lvl="1"/>
             <a:r>
-              <a:rPr lang="de-DE" smtClean="0"/>
+              <a:rPr lang="de-DE"/>
               <a:t>Zweite Ebene</a:t>
             </a:r>
           </a:p>
           <a:p>
             <a:pPr lvl="2"/>
             <a:r>
-              <a:rPr lang="de-DE" smtClean="0"/>
+              <a:rPr lang="de-DE"/>
               <a:t>Dritte Ebene</a:t>
             </a:r>
           </a:p>
           <a:p>
             <a:pPr lvl="3"/>
             <a:r>
-              <a:rPr lang="de-DE" smtClean="0"/>
+              <a:rPr lang="de-DE"/>
               <a:t>Vierte Ebene</a:t>
             </a:r>
           </a:p>
           <a:p>
             <a:pPr lvl="4"/>
             <a:r>
-              <a:rPr lang="de-DE" smtClean="0"/>
+              <a:rPr lang="de-DE"/>
               <a:t>Fünfte Ebene</a:t>
             </a:r>
             <a:endParaRPr lang="en-US"/>
@@ -1710,7 +1709,7 @@
           <a:p>
             <a:fld id="{E6E86D6A-786F-4E85-AF3B-385015383ABA}" type="datetime1">
               <a:rPr lang="en-US" smtClean="0"/>
-              <a:t>3/30/2021</a:t>
+              <a:t>5/3/2021</a:t>
             </a:fld>
             <a:endParaRPr lang="en-US"/>
           </a:p>
@@ -1752,7 +1751,7 @@
           <a:p>
             <a:fld id="{C9E0B00B-E6DF-4183-A694-3DE28BEFB357}" type="slidenum">
               <a:rPr lang="en-US" smtClean="0"/>
-              <a:t>‹Nr.›</a:t>
+              <a:t>‹#›</a:t>
             </a:fld>
             <a:endParaRPr lang="en-US"/>
           </a:p>
@@ -1813,7 +1812,7 @@
           </a:lstStyle>
           <a:p>
             <a:r>
-              <a:rPr lang="de-DE" smtClean="0"/>
+              <a:rPr lang="de-DE"/>
               <a:t>Titelmasterformat durch Klicken bearbeiten</a:t>
             </a:r>
             <a:endParaRPr lang="en-US"/>
@@ -1933,7 +1932,7 @@
           <a:p>
             <a:pPr lvl="0"/>
             <a:r>
-              <a:rPr lang="de-DE" smtClean="0"/>
+              <a:rPr lang="de-DE"/>
               <a:t>Formatvorlagen des Textmasters bearbeiten</a:t>
             </a:r>
           </a:p>
@@ -1956,7 +1955,7 @@
           <a:p>
             <a:fld id="{051FFEB0-9C80-4A34-A5C7-72D52D52FC7D}" type="datetime1">
               <a:rPr lang="en-US" smtClean="0"/>
-              <a:t>3/30/2021</a:t>
+              <a:t>5/3/2021</a:t>
             </a:fld>
             <a:endParaRPr lang="en-US"/>
           </a:p>
@@ -1998,7 +1997,7 @@
           <a:p>
             <a:fld id="{C9E0B00B-E6DF-4183-A694-3DE28BEFB357}" type="slidenum">
               <a:rPr lang="en-US" smtClean="0"/>
-              <a:t>‹Nr.›</a:t>
+              <a:t>‹#›</a:t>
             </a:fld>
             <a:endParaRPr lang="en-US"/>
           </a:p>
@@ -2050,7 +2049,7 @@
           <a:lstStyle/>
           <a:p>
             <a:r>
-              <a:rPr lang="de-DE" smtClean="0"/>
+              <a:rPr lang="de-DE"/>
               <a:t>Titelmasterformat durch Klicken bearbeiten</a:t>
             </a:r>
             <a:endParaRPr lang="en-US"/>
@@ -2079,35 +2078,35 @@
           <a:p>
             <a:pPr lvl="0"/>
             <a:r>
-              <a:rPr lang="de-DE" smtClean="0"/>
+              <a:rPr lang="de-DE"/>
               <a:t>Formatvorlagen des Textmasters bearbeiten</a:t>
             </a:r>
           </a:p>
           <a:p>
             <a:pPr lvl="1"/>
             <a:r>
-              <a:rPr lang="de-DE" smtClean="0"/>
+              <a:rPr lang="de-DE"/>
               <a:t>Zweite Ebene</a:t>
             </a:r>
           </a:p>
           <a:p>
             <a:pPr lvl="2"/>
             <a:r>
-              <a:rPr lang="de-DE" smtClean="0"/>
+              <a:rPr lang="de-DE"/>
               <a:t>Dritte Ebene</a:t>
             </a:r>
           </a:p>
           <a:p>
             <a:pPr lvl="3"/>
             <a:r>
-              <a:rPr lang="de-DE" smtClean="0"/>
+              <a:rPr lang="de-DE"/>
               <a:t>Vierte Ebene</a:t>
             </a:r>
           </a:p>
           <a:p>
             <a:pPr lvl="4"/>
             <a:r>
-              <a:rPr lang="de-DE" smtClean="0"/>
+              <a:rPr lang="de-DE"/>
               <a:t>Fünfte Ebene</a:t>
             </a:r>
             <a:endParaRPr lang="en-US"/>
@@ -2136,35 +2135,35 @@
           <a:p>
             <a:pPr lvl="0"/>
             <a:r>
-              <a:rPr lang="de-DE" smtClean="0"/>
+              <a:rPr lang="de-DE"/>
               <a:t>Formatvorlagen des Textmasters bearbeiten</a:t>
             </a:r>
           </a:p>
           <a:p>
             <a:pPr lvl="1"/>
             <a:r>
-              <a:rPr lang="de-DE" smtClean="0"/>
+              <a:rPr lang="de-DE"/>
               <a:t>Zweite Ebene</a:t>
             </a:r>
           </a:p>
           <a:p>
             <a:pPr lvl="2"/>
             <a:r>
-              <a:rPr lang="de-DE" smtClean="0"/>
+              <a:rPr lang="de-DE"/>
               <a:t>Dritte Ebene</a:t>
             </a:r>
           </a:p>
           <a:p>
             <a:pPr lvl="3"/>
             <a:r>
-              <a:rPr lang="de-DE" smtClean="0"/>
+              <a:rPr lang="de-DE"/>
               <a:t>Vierte Ebene</a:t>
             </a:r>
           </a:p>
           <a:p>
             <a:pPr lvl="4"/>
             <a:r>
-              <a:rPr lang="de-DE" smtClean="0"/>
+              <a:rPr lang="de-DE"/>
               <a:t>Fünfte Ebene</a:t>
             </a:r>
             <a:endParaRPr lang="en-US"/>
@@ -2188,7 +2187,7 @@
           <a:p>
             <a:fld id="{084267AD-C299-471B-ABA1-D0EA94C7EDCF}" type="datetime1">
               <a:rPr lang="en-US" smtClean="0"/>
-              <a:t>3/30/2021</a:t>
+              <a:t>5/3/2021</a:t>
             </a:fld>
             <a:endParaRPr lang="en-US"/>
           </a:p>
@@ -2230,7 +2229,7 @@
           <a:p>
             <a:fld id="{C9E0B00B-E6DF-4183-A694-3DE28BEFB357}" type="slidenum">
               <a:rPr lang="en-US" smtClean="0"/>
-              <a:t>‹Nr.›</a:t>
+              <a:t>‹#›</a:t>
             </a:fld>
             <a:endParaRPr lang="en-US"/>
           </a:p>
@@ -2287,7 +2286,7 @@
           <a:lstStyle/>
           <a:p>
             <a:r>
-              <a:rPr lang="de-DE" smtClean="0"/>
+              <a:rPr lang="de-DE"/>
               <a:t>Titelmasterformat durch Klicken bearbeiten</a:t>
             </a:r>
             <a:endParaRPr lang="en-US"/>
@@ -2353,7 +2352,7 @@
           <a:p>
             <a:pPr lvl="0"/>
             <a:r>
-              <a:rPr lang="de-DE" smtClean="0"/>
+              <a:rPr lang="de-DE"/>
               <a:t>Formatvorlagen des Textmasters bearbeiten</a:t>
             </a:r>
           </a:p>
@@ -2381,35 +2380,35 @@
           <a:p>
             <a:pPr lvl="0"/>
             <a:r>
-              <a:rPr lang="de-DE" smtClean="0"/>
+              <a:rPr lang="de-DE"/>
               <a:t>Formatvorlagen des Textmasters bearbeiten</a:t>
             </a:r>
           </a:p>
           <a:p>
             <a:pPr lvl="1"/>
             <a:r>
-              <a:rPr lang="de-DE" smtClean="0"/>
+              <a:rPr lang="de-DE"/>
               <a:t>Zweite Ebene</a:t>
             </a:r>
           </a:p>
           <a:p>
             <a:pPr lvl="2"/>
             <a:r>
-              <a:rPr lang="de-DE" smtClean="0"/>
+              <a:rPr lang="de-DE"/>
               <a:t>Dritte Ebene</a:t>
             </a:r>
           </a:p>
           <a:p>
             <a:pPr lvl="3"/>
             <a:r>
-              <a:rPr lang="de-DE" smtClean="0"/>
+              <a:rPr lang="de-DE"/>
               <a:t>Vierte Ebene</a:t>
             </a:r>
           </a:p>
           <a:p>
             <a:pPr lvl="4"/>
             <a:r>
-              <a:rPr lang="de-DE" smtClean="0"/>
+              <a:rPr lang="de-DE"/>
               <a:t>Fünfte Ebene</a:t>
             </a:r>
             <a:endParaRPr lang="en-US"/>
@@ -2475,7 +2474,7 @@
           <a:p>
             <a:pPr lvl="0"/>
             <a:r>
-              <a:rPr lang="de-DE" smtClean="0"/>
+              <a:rPr lang="de-DE"/>
               <a:t>Formatvorlagen des Textmasters bearbeiten</a:t>
             </a:r>
           </a:p>
@@ -2503,35 +2502,35 @@
           <a:p>
             <a:pPr lvl="0"/>
             <a:r>
-              <a:rPr lang="de-DE" smtClean="0"/>
+              <a:rPr lang="de-DE"/>
               <a:t>Formatvorlagen des Textmasters bearbeiten</a:t>
             </a:r>
           </a:p>
           <a:p>
             <a:pPr lvl="1"/>
             <a:r>
-              <a:rPr lang="de-DE" smtClean="0"/>
+              <a:rPr lang="de-DE"/>
               <a:t>Zweite Ebene</a:t>
             </a:r>
           </a:p>
           <a:p>
             <a:pPr lvl="2"/>
             <a:r>
-              <a:rPr lang="de-DE" smtClean="0"/>
+              <a:rPr lang="de-DE"/>
               <a:t>Dritte Ebene</a:t>
             </a:r>
           </a:p>
           <a:p>
             <a:pPr lvl="3"/>
             <a:r>
-              <a:rPr lang="de-DE" smtClean="0"/>
+              <a:rPr lang="de-DE"/>
               <a:t>Vierte Ebene</a:t>
             </a:r>
           </a:p>
           <a:p>
             <a:pPr lvl="4"/>
             <a:r>
-              <a:rPr lang="de-DE" smtClean="0"/>
+              <a:rPr lang="de-DE"/>
               <a:t>Fünfte Ebene</a:t>
             </a:r>
             <a:endParaRPr lang="en-US"/>
@@ -2555,7 +2554,7 @@
           <a:p>
             <a:fld id="{6468DBC7-10F8-46A1-8CE1-DBB0A6F0EF3E}" type="datetime1">
               <a:rPr lang="en-US" smtClean="0"/>
-              <a:t>3/30/2021</a:t>
+              <a:t>5/3/2021</a:t>
             </a:fld>
             <a:endParaRPr lang="en-US"/>
           </a:p>
@@ -2597,7 +2596,7 @@
           <a:p>
             <a:fld id="{C9E0B00B-E6DF-4183-A694-3DE28BEFB357}" type="slidenum">
               <a:rPr lang="en-US" smtClean="0"/>
-              <a:t>‹Nr.›</a:t>
+              <a:t>‹#›</a:t>
             </a:fld>
             <a:endParaRPr lang="en-US"/>
           </a:p>
@@ -2649,7 +2648,7 @@
           <a:lstStyle/>
           <a:p>
             <a:r>
-              <a:rPr lang="de-DE" smtClean="0"/>
+              <a:rPr lang="de-DE"/>
               <a:t>Titelmasterformat durch Klicken bearbeiten</a:t>
             </a:r>
             <a:endParaRPr lang="en-US"/>
@@ -2673,7 +2672,7 @@
           <a:p>
             <a:fld id="{0A97ED80-8DDA-43A7-A78F-B0542D691D0E}" type="datetime1">
               <a:rPr lang="en-US" smtClean="0"/>
-              <a:t>3/30/2021</a:t>
+              <a:t>5/3/2021</a:t>
             </a:fld>
             <a:endParaRPr lang="en-US"/>
           </a:p>
@@ -2715,7 +2714,7 @@
           <a:p>
             <a:fld id="{C9E0B00B-E6DF-4183-A694-3DE28BEFB357}" type="slidenum">
               <a:rPr lang="en-US" smtClean="0"/>
-              <a:t>‹Nr.›</a:t>
+              <a:t>‹#›</a:t>
             </a:fld>
             <a:endParaRPr lang="en-US"/>
           </a:p>
@@ -2768,7 +2767,7 @@
           <a:p>
             <a:fld id="{0AF827E6-45BA-40D2-98F2-BE4FFF095577}" type="datetime1">
               <a:rPr lang="en-US" smtClean="0"/>
-              <a:t>3/30/2021</a:t>
+              <a:t>5/3/2021</a:t>
             </a:fld>
             <a:endParaRPr lang="en-US"/>
           </a:p>
@@ -2810,7 +2809,7 @@
           <a:p>
             <a:fld id="{C9E0B00B-E6DF-4183-A694-3DE28BEFB357}" type="slidenum">
               <a:rPr lang="en-US" smtClean="0"/>
-              <a:t>‹Nr.›</a:t>
+              <a:t>‹#›</a:t>
             </a:fld>
             <a:endParaRPr lang="en-US"/>
           </a:p>
@@ -2871,7 +2870,7 @@
           </a:lstStyle>
           <a:p>
             <a:r>
-              <a:rPr lang="de-DE" smtClean="0"/>
+              <a:rPr lang="de-DE"/>
               <a:t>Titelmasterformat durch Klicken bearbeiten</a:t>
             </a:r>
             <a:endParaRPr lang="en-US"/>
@@ -2928,35 +2927,35 @@
           <a:p>
             <a:pPr lvl="0"/>
             <a:r>
-              <a:rPr lang="de-DE" smtClean="0"/>
+              <a:rPr lang="de-DE"/>
               <a:t>Formatvorlagen des Textmasters bearbeiten</a:t>
             </a:r>
           </a:p>
           <a:p>
             <a:pPr lvl="1"/>
             <a:r>
-              <a:rPr lang="de-DE" smtClean="0"/>
+              <a:rPr lang="de-DE"/>
               <a:t>Zweite Ebene</a:t>
             </a:r>
           </a:p>
           <a:p>
             <a:pPr lvl="2"/>
             <a:r>
-              <a:rPr lang="de-DE" smtClean="0"/>
+              <a:rPr lang="de-DE"/>
               <a:t>Dritte Ebene</a:t>
             </a:r>
           </a:p>
           <a:p>
             <a:pPr lvl="3"/>
             <a:r>
-              <a:rPr lang="de-DE" smtClean="0"/>
+              <a:rPr lang="de-DE"/>
               <a:t>Vierte Ebene</a:t>
             </a:r>
           </a:p>
           <a:p>
             <a:pPr lvl="4"/>
             <a:r>
-              <a:rPr lang="de-DE" smtClean="0"/>
+              <a:rPr lang="de-DE"/>
               <a:t>Fünfte Ebene</a:t>
             </a:r>
             <a:endParaRPr lang="en-US"/>
@@ -3022,7 +3021,7 @@
           <a:p>
             <a:pPr lvl="0"/>
             <a:r>
-              <a:rPr lang="de-DE" smtClean="0"/>
+              <a:rPr lang="de-DE"/>
               <a:t>Formatvorlagen des Textmasters bearbeiten</a:t>
             </a:r>
           </a:p>
@@ -3045,7 +3044,7 @@
           <a:p>
             <a:fld id="{42BD114C-22EA-4B1A-A45B-ED6465C7BB4E}" type="datetime1">
               <a:rPr lang="en-US" smtClean="0"/>
-              <a:t>3/30/2021</a:t>
+              <a:t>5/3/2021</a:t>
             </a:fld>
             <a:endParaRPr lang="en-US"/>
           </a:p>
@@ -3087,7 +3086,7 @@
           <a:p>
             <a:fld id="{C9E0B00B-E6DF-4183-A694-3DE28BEFB357}" type="slidenum">
               <a:rPr lang="en-US" smtClean="0"/>
-              <a:t>‹Nr.›</a:t>
+              <a:t>‹#›</a:t>
             </a:fld>
             <a:endParaRPr lang="en-US"/>
           </a:p>
@@ -3148,7 +3147,7 @@
           </a:lstStyle>
           <a:p>
             <a:r>
-              <a:rPr lang="de-DE" smtClean="0"/>
+              <a:rPr lang="de-DE"/>
               <a:t>Titelmasterformat durch Klicken bearbeiten</a:t>
             </a:r>
             <a:endParaRPr lang="en-US"/>
@@ -3275,7 +3274,7 @@
           <a:p>
             <a:pPr lvl="0"/>
             <a:r>
-              <a:rPr lang="de-DE" smtClean="0"/>
+              <a:rPr lang="de-DE"/>
               <a:t>Formatvorlagen des Textmasters bearbeiten</a:t>
             </a:r>
           </a:p>
@@ -3298,7 +3297,7 @@
           <a:p>
             <a:fld id="{F46F8903-38BE-4FD8-98FC-E4EF771B2D8C}" type="datetime1">
               <a:rPr lang="en-US" smtClean="0"/>
-              <a:t>3/30/2021</a:t>
+              <a:t>5/3/2021</a:t>
             </a:fld>
             <a:endParaRPr lang="en-US"/>
           </a:p>
@@ -3340,7 +3339,7 @@
           <a:p>
             <a:fld id="{C9E0B00B-E6DF-4183-A694-3DE28BEFB357}" type="slidenum">
               <a:rPr lang="en-US" smtClean="0"/>
-              <a:t>‹Nr.›</a:t>
+              <a:t>‹#›</a:t>
             </a:fld>
             <a:endParaRPr lang="en-US"/>
           </a:p>
@@ -3407,7 +3406,7 @@
           <a:lstStyle/>
           <a:p>
             <a:r>
-              <a:rPr lang="de-DE" smtClean="0"/>
+              <a:rPr lang="de-DE"/>
               <a:t>Titelmasterformat durch Klicken bearbeiten</a:t>
             </a:r>
             <a:endParaRPr lang="en-US"/>
@@ -3441,35 +3440,35 @@
           <a:p>
             <a:pPr lvl="0"/>
             <a:r>
-              <a:rPr lang="de-DE" smtClean="0"/>
+              <a:rPr lang="de-DE"/>
               <a:t>Formatvorlagen des Textmasters bearbeiten</a:t>
             </a:r>
           </a:p>
           <a:p>
             <a:pPr lvl="1"/>
             <a:r>
-              <a:rPr lang="de-DE" smtClean="0"/>
+              <a:rPr lang="de-DE"/>
               <a:t>Zweite Ebene</a:t>
             </a:r>
           </a:p>
           <a:p>
             <a:pPr lvl="2"/>
             <a:r>
-              <a:rPr lang="de-DE" smtClean="0"/>
+              <a:rPr lang="de-DE"/>
               <a:t>Dritte Ebene</a:t>
             </a:r>
           </a:p>
           <a:p>
             <a:pPr lvl="3"/>
             <a:r>
-              <a:rPr lang="de-DE" smtClean="0"/>
+              <a:rPr lang="de-DE"/>
               <a:t>Vierte Ebene</a:t>
             </a:r>
           </a:p>
           <a:p>
             <a:pPr lvl="4"/>
             <a:r>
-              <a:rPr lang="de-DE" smtClean="0"/>
+              <a:rPr lang="de-DE"/>
               <a:t>Fünfte Ebene</a:t>
             </a:r>
             <a:endParaRPr lang="en-US"/>
@@ -3511,7 +3510,7 @@
           <a:p>
             <a:fld id="{A91AC8C7-9CA9-4E83-8CE3-AD3BE4150B39}" type="datetime1">
               <a:rPr lang="en-US" smtClean="0"/>
-              <a:t>3/30/2021</a:t>
+              <a:t>5/3/2021</a:t>
             </a:fld>
             <a:endParaRPr lang="en-US"/>
           </a:p>
@@ -3589,7 +3588,7 @@
           <a:p>
             <a:fld id="{C9E0B00B-E6DF-4183-A694-3DE28BEFB357}" type="slidenum">
               <a:rPr lang="en-US" smtClean="0"/>
-              <a:t>‹Nr.›</a:t>
+              <a:t>‹#›</a:t>
             </a:fld>
             <a:endParaRPr lang="en-US"/>
           </a:p>
@@ -3933,7 +3932,7 @@
           <a:lstStyle/>
           <a:p>
             <a:r>
-              <a:rPr lang="en-US" b="1" dirty="0" smtClean="0">
+              <a:rPr lang="en-US" b="1" dirty="0">
                 <a:effectLst>
                   <a:outerShdw blurRad="38100" dist="38100" dir="2700000" algn="tl">
                     <a:srgbClr val="000000">
@@ -3944,15 +3943,6 @@
               </a:rPr>
               <a:t>Part IV: BERT</a:t>
             </a:r>
-            <a:endParaRPr lang="en-US" b="1" dirty="0">
-              <a:effectLst>
-                <a:outerShdw blurRad="38100" dist="38100" dir="2700000" algn="tl">
-                  <a:srgbClr val="000000">
-                    <a:alpha val="43137"/>
-                  </a:srgbClr>
-                </a:outerShdw>
-              </a:effectLst>
-            </a:endParaRPr>
           </a:p>
         </p:txBody>
       </p:sp>
@@ -4030,7 +4020,7 @@
           <a:lstStyle/>
           <a:p>
             <a:r>
-              <a:rPr lang="en-US" b="1" dirty="0" err="1" smtClean="0"/>
+              <a:rPr lang="en-US" b="1" dirty="0" err="1"/>
               <a:t>Pretraining</a:t>
             </a:r>
             <a:endParaRPr lang="en-US" b="1" dirty="0"/>
@@ -4060,7 +4050,7 @@
           <a:lstStyle/>
           <a:p>
             <a:r>
-              <a:rPr lang="en-US" dirty="0" smtClean="0"/>
+              <a:rPr lang="en-US" dirty="0"/>
               <a:t>Next Sentence Prediction (NSP) </a:t>
             </a:r>
           </a:p>
@@ -4070,7 +4060,7 @@
               <a:buAutoNum type="arabicPeriod"/>
             </a:pPr>
             <a:r>
-              <a:rPr lang="en-US" dirty="0" smtClean="0"/>
+              <a:rPr lang="en-US" dirty="0"/>
               <a:t>Randomly sample the next sentence for 50% of two sentence pairs </a:t>
             </a:r>
           </a:p>
@@ -4080,7 +4070,7 @@
               <a:buAutoNum type="arabicPeriod"/>
             </a:pPr>
             <a:r>
-              <a:rPr lang="en-US" dirty="0" smtClean="0"/>
+              <a:rPr lang="en-US" dirty="0"/>
               <a:t>Given two sentences, predict whether the second sentence follows the first one </a:t>
             </a:r>
           </a:p>
@@ -4088,27 +4078,23 @@
             <a:pPr marL="457200" lvl="1" indent="0">
               <a:buNone/>
             </a:pPr>
-            <a:endParaRPr lang="en-US" dirty="0" smtClean="0"/>
-          </a:p>
-          <a:p>
-            <a:r>
-              <a:rPr lang="en-US" dirty="0" smtClean="0"/>
+            <a:endParaRPr lang="en-US" dirty="0"/>
+          </a:p>
+          <a:p>
+            <a:r>
+              <a:rPr lang="en-US" dirty="0"/>
               <a:t>Input: </a:t>
             </a:r>
           </a:p>
           <a:p>
             <a:pPr lvl="1"/>
             <a:r>
-              <a:rPr lang="de-DE" i="1" dirty="0" err="1" smtClean="0"/>
+              <a:rPr lang="de-DE" i="1" dirty="0" err="1"/>
               <a:t>Sentence</a:t>
             </a:r>
             <a:r>
-              <a:rPr lang="de-DE" i="1" dirty="0" smtClean="0"/>
-              <a:t> </a:t>
-            </a:r>
-            <a:r>
               <a:rPr lang="de-DE" i="1" dirty="0"/>
-              <a:t>A: [CLS] Die Ausgrenzung von [MASK] von der # </a:t>
+              <a:t> A: [CLS] Die Ausgrenzung von [MASK] von der # </a:t>
             </a:r>
             <a:r>
               <a:rPr lang="de-DE" i="1" dirty="0" err="1"/>
@@ -4128,13 +4114,9 @@
             </a:r>
             <a:r>
               <a:rPr lang="de-DE" i="1" dirty="0"/>
-              <a:t> B: Wir dürfen nicht zulassen, dass die [MASK] gegeneinander ausgespielt werden. [</a:t>
-            </a:r>
-            <a:r>
-              <a:rPr lang="de-DE" i="1" dirty="0" smtClean="0"/>
-              <a:t>SEP]</a:t>
-            </a:r>
-            <a:endParaRPr lang="en-GB" dirty="0" smtClean="0"/>
+              <a:t> B: Wir dürfen nicht zulassen, dass die [MASK] gegeneinander ausgespielt werden. [SEP]</a:t>
+            </a:r>
+            <a:endParaRPr lang="en-GB" dirty="0"/>
           </a:p>
           <a:p>
             <a:r>
@@ -4148,7 +4130,7 @@
             <a:endParaRPr lang="en-GB" dirty="0"/>
           </a:p>
           <a:p>
-            <a:endParaRPr lang="en-US" dirty="0" smtClean="0"/>
+            <a:endParaRPr lang="en-US" dirty="0"/>
           </a:p>
         </p:txBody>
       </p:sp>
@@ -4221,10 +4203,9 @@
           <a:lstStyle/>
           <a:p>
             <a:r>
-              <a:rPr lang="en-US" b="1" dirty="0" smtClean="0"/>
+              <a:rPr lang="en-US" b="1" dirty="0"/>
               <a:t>Fine-Tuning</a:t>
             </a:r>
-            <a:endParaRPr lang="en-US" b="1" dirty="0"/>
           </a:p>
         </p:txBody>
       </p:sp>
@@ -4246,75 +4227,75 @@
           <a:lstStyle/>
           <a:p>
             <a:r>
-              <a:rPr lang="en-US" dirty="0" smtClean="0"/>
+              <a:rPr lang="en-US" dirty="0"/>
               <a:t>Various language tasks: </a:t>
             </a:r>
             <a:r>
-              <a:rPr lang="en-GB" dirty="0" smtClean="0"/>
+              <a:rPr lang="en-GB" dirty="0"/>
               <a:t>Question Answering, Named Entity Recognition, Sequence Classification, etc. </a:t>
             </a:r>
           </a:p>
           <a:p>
             <a:r>
-              <a:rPr lang="en-GB" dirty="0" smtClean="0"/>
+              <a:rPr lang="en-GB" dirty="0"/>
               <a:t>Exchange the output layer from </a:t>
             </a:r>
             <a:r>
-              <a:rPr lang="en-GB" dirty="0" err="1" smtClean="0"/>
+              <a:rPr lang="en-GB" dirty="0" err="1"/>
               <a:t>pretraining</a:t>
             </a:r>
             <a:r>
-              <a:rPr lang="en-GB" dirty="0" smtClean="0"/>
+              <a:rPr lang="en-GB" dirty="0"/>
               <a:t> &amp; update parameters</a:t>
             </a:r>
           </a:p>
           <a:p>
             <a:r>
-              <a:rPr lang="en-GB" dirty="0" smtClean="0"/>
+              <a:rPr lang="en-GB" dirty="0"/>
               <a:t>Train and validation sets for model training procedure (80%) </a:t>
             </a:r>
           </a:p>
           <a:p>
             <a:r>
-              <a:rPr lang="en-GB" dirty="0" smtClean="0"/>
+              <a:rPr lang="en-GB" dirty="0"/>
               <a:t>Test set for evaluation (20%, unseen data)</a:t>
             </a:r>
           </a:p>
           <a:p>
-            <a:endParaRPr lang="en-GB" dirty="0" smtClean="0"/>
-          </a:p>
-          <a:p>
-            <a:r>
-              <a:rPr lang="en-GB" dirty="0" smtClean="0"/>
+            <a:endParaRPr lang="en-GB" dirty="0"/>
+          </a:p>
+          <a:p>
+            <a:r>
+              <a:rPr lang="en-GB" dirty="0"/>
               <a:t>Set </a:t>
             </a:r>
             <a:r>
-              <a:rPr lang="en-GB" dirty="0" err="1" smtClean="0"/>
+              <a:rPr lang="en-GB" dirty="0" err="1"/>
               <a:t>hyperparameters</a:t>
             </a:r>
             <a:r>
-              <a:rPr lang="en-GB" dirty="0" smtClean="0"/>
+              <a:rPr lang="en-GB" dirty="0"/>
               <a:t> recommended by the authors: </a:t>
             </a:r>
           </a:p>
           <a:p>
             <a:pPr lvl="1"/>
             <a:r>
-              <a:rPr lang="en-US" dirty="0" smtClean="0"/>
+              <a:rPr lang="en-US" dirty="0"/>
               <a:t>Learning rate {5e-5, 3e-5, 2e-5}  </a:t>
             </a:r>
           </a:p>
           <a:p>
             <a:pPr lvl="1"/>
             <a:r>
-              <a:rPr lang="en-US" dirty="0" smtClean="0"/>
+              <a:rPr lang="en-US" dirty="0"/>
               <a:t>Batch-size {16, 32}</a:t>
             </a:r>
           </a:p>
           <a:p>
             <a:pPr lvl="1"/>
             <a:r>
-              <a:rPr lang="en-US" dirty="0" smtClean="0"/>
+              <a:rPr lang="en-US" dirty="0"/>
               <a:t>Number of training epochs {2, 3, 4}</a:t>
             </a:r>
           </a:p>
@@ -4389,10 +4370,9 @@
           <a:lstStyle/>
           <a:p>
             <a:r>
-              <a:rPr lang="en-US" b="1" dirty="0" smtClean="0"/>
+              <a:rPr lang="en-US" b="1" dirty="0"/>
               <a:t>Aspect Based Sentiment Analysis</a:t>
             </a:r>
-            <a:endParaRPr lang="en-US" b="1" dirty="0"/>
           </a:p>
         </p:txBody>
       </p:sp>
@@ -4422,11 +4402,11 @@
               <a:buNone/>
             </a:pPr>
             <a:r>
-              <a:rPr lang="de-DE" i="1" dirty="0" smtClean="0"/>
+              <a:rPr lang="de-DE" i="1" dirty="0"/>
               <a:t>[CLS] Die Ausgrenzung von </a:t>
             </a:r>
             <a:r>
-              <a:rPr lang="de-DE" b="1" i="1" dirty="0" err="1" smtClean="0">
+              <a:rPr lang="de-DE" b="1" i="1" dirty="0" err="1">
                 <a:solidFill>
                   <a:srgbClr val="FF0000"/>
                 </a:solidFill>
@@ -4441,19 +4421,19 @@
               <a:t>MigrantInnen</a:t>
             </a:r>
             <a:r>
-              <a:rPr lang="de-DE" i="1" dirty="0" smtClean="0"/>
+              <a:rPr lang="de-DE" i="1" dirty="0"/>
               <a:t> von der # </a:t>
             </a:r>
             <a:r>
-              <a:rPr lang="de-DE" i="1" dirty="0" err="1" smtClean="0"/>
+              <a:rPr lang="de-DE" i="1" dirty="0" err="1"/>
               <a:t>EssenerTafel</a:t>
             </a:r>
             <a:r>
-              <a:rPr lang="de-DE" i="1" dirty="0" smtClean="0"/>
+              <a:rPr lang="de-DE" i="1" dirty="0"/>
               <a:t> ist inakzeptabel und </a:t>
             </a:r>
             <a:r>
-              <a:rPr lang="de-DE" b="1" i="1" dirty="0" smtClean="0">
+              <a:rPr lang="de-DE" b="1" i="1" dirty="0">
                 <a:solidFill>
                   <a:srgbClr val="FF0000"/>
                 </a:solidFill>
@@ -4468,10 +4448,10 @@
               <a:t>rassistisch</a:t>
             </a:r>
             <a:r>
-              <a:rPr lang="de-DE" i="1" dirty="0" smtClean="0"/>
+              <a:rPr lang="de-DE" i="1" dirty="0"/>
               <a:t>. Wir dürfen nicht zulassen, dass die Ärmsten gegeneinander ausgespielt werden. [SEP]</a:t>
             </a:r>
-            <a:endParaRPr lang="en-US" i="1" dirty="0" smtClean="0"/>
+            <a:endParaRPr lang="en-US" i="1" dirty="0"/>
           </a:p>
           <a:p>
             <a:pPr marL="0" indent="0">
@@ -4483,42 +4463,41 @@
             <a:pPr marL="0" indent="0">
               <a:buNone/>
             </a:pPr>
-            <a:endParaRPr lang="en-US" dirty="0" smtClean="0"/>
-          </a:p>
-          <a:p>
-            <a:r>
-              <a:rPr lang="en-US" dirty="0" smtClean="0"/>
+            <a:endParaRPr lang="en-US" dirty="0"/>
+          </a:p>
+          <a:p>
+            <a:r>
+              <a:rPr lang="en-US" dirty="0"/>
               <a:t>Goal: Classification based on a given text and the aspects mentioned in it</a:t>
             </a:r>
           </a:p>
           <a:p>
             <a:r>
-              <a:rPr lang="en-US" dirty="0" smtClean="0"/>
+              <a:rPr lang="en-US" dirty="0"/>
               <a:t>General approach: </a:t>
             </a:r>
           </a:p>
           <a:p>
             <a:pPr lvl="1"/>
             <a:r>
-              <a:rPr lang="en-US" dirty="0" err="1" smtClean="0"/>
+              <a:rPr lang="en-US" dirty="0" err="1"/>
               <a:t>Posttraining</a:t>
             </a:r>
-            <a:endParaRPr lang="en-US" dirty="0" smtClean="0"/>
+            <a:endParaRPr lang="en-US" dirty="0"/>
           </a:p>
           <a:p>
             <a:pPr lvl="1"/>
             <a:r>
-              <a:rPr lang="en-US" dirty="0" smtClean="0"/>
+              <a:rPr lang="en-US" dirty="0"/>
               <a:t>Aspect Extraction</a:t>
             </a:r>
           </a:p>
           <a:p>
             <a:pPr lvl="1"/>
             <a:r>
-              <a:rPr lang="en-US" dirty="0" smtClean="0"/>
+              <a:rPr lang="en-US" dirty="0"/>
               <a:t>Aspect Sentiment Classification</a:t>
             </a:r>
-            <a:endParaRPr lang="en-US" dirty="0"/>
           </a:p>
         </p:txBody>
       </p:sp>
@@ -4591,7 +4570,7 @@
           <a:lstStyle/>
           <a:p>
             <a:r>
-              <a:rPr lang="en-US" b="1" dirty="0" smtClean="0">
+              <a:rPr lang="en-US" b="1" dirty="0">
                 <a:effectLst>
                   <a:outerShdw blurRad="38100" dist="38100" dir="2700000" algn="tl">
                     <a:srgbClr val="000000">
@@ -4602,15 +4581,6 @@
               </a:rPr>
               <a:t>BERT</a:t>
             </a:r>
-            <a:endParaRPr lang="en-US" b="1" dirty="0">
-              <a:effectLst>
-                <a:outerShdw blurRad="38100" dist="38100" dir="2700000" algn="tl">
-                  <a:srgbClr val="000000">
-                    <a:alpha val="43137"/>
-                  </a:srgbClr>
-                </a:outerShdw>
-              </a:effectLst>
-            </a:endParaRPr>
           </a:p>
         </p:txBody>
       </p:sp>
@@ -4630,7 +4600,7 @@
           <a:lstStyle/>
           <a:p>
             <a:r>
-              <a:rPr lang="en-US" b="1" dirty="0" smtClean="0">
+              <a:rPr lang="en-US" b="1" dirty="0">
                 <a:effectLst>
                   <a:outerShdw blurRad="38100" dist="38100" dir="2700000" algn="tl">
                     <a:srgbClr val="000000">
@@ -4641,15 +4611,6 @@
               </a:rPr>
               <a:t>Practical Application</a:t>
             </a:r>
-            <a:endParaRPr lang="en-US" b="1" dirty="0">
-              <a:effectLst>
-                <a:outerShdw blurRad="38100" dist="38100" dir="2700000" algn="tl">
-                  <a:srgbClr val="000000">
-                    <a:alpha val="43137"/>
-                  </a:srgbClr>
-                </a:outerShdw>
-              </a:effectLst>
-            </a:endParaRPr>
           </a:p>
         </p:txBody>
       </p:sp>
@@ -4732,11 +4693,11 @@
               <a:buNone/>
             </a:pPr>
             <a:r>
-              <a:rPr lang="en-US" b="1" u="sng" dirty="0" smtClean="0"/>
+              <a:rPr lang="en-US" b="1" u="sng" dirty="0"/>
               <a:t>Preparation</a:t>
             </a:r>
             <a:r>
-              <a:rPr lang="en-US" dirty="0" smtClean="0"/>
+              <a:rPr lang="en-US" dirty="0"/>
               <a:t>: </a:t>
             </a:r>
           </a:p>
@@ -4746,7 +4707,7 @@
               <a:buAutoNum type="arabicParenR"/>
             </a:pPr>
             <a:r>
-              <a:rPr lang="en-US" dirty="0" smtClean="0"/>
+              <a:rPr lang="en-US" dirty="0"/>
               <a:t>Get an access to Google Collab</a:t>
             </a:r>
           </a:p>
@@ -4756,22 +4717,18 @@
               <a:buAutoNum type="arabicParenR"/>
             </a:pPr>
             <a:r>
-              <a:rPr lang="en-US" dirty="0" smtClean="0"/>
+              <a:rPr lang="en-US" dirty="0"/>
               <a:t>Open </a:t>
             </a:r>
             <a:r>
-              <a:rPr lang="en-US" dirty="0" err="1" smtClean="0"/>
+              <a:rPr lang="en-US" dirty="0" err="1"/>
               <a:t>Jupyter</a:t>
             </a:r>
             <a:r>
-              <a:rPr lang="en-US" smtClean="0"/>
-              <a:t> </a:t>
-            </a:r>
-            <a:r>
               <a:rPr lang="en-US"/>
-              <a:t>Notebook: https://colab.research.google.com/drive/1bExLxNP2BUyA0gHKw2YD4N94p8Q_IBG-#scrollTo=SGC297qbdzRf </a:t>
-            </a:r>
-            <a:endParaRPr lang="en-US" dirty="0" smtClean="0"/>
+              <a:t> Notebook: https://colab.research.google.com/drive/1bExLxNP2BUyA0gHKw2YD4N94p8Q_IBG-#scrollTo=SGC297qbdzRf </a:t>
+            </a:r>
+            <a:endParaRPr lang="en-US" dirty="0"/>
           </a:p>
           <a:p>
             <a:pPr marL="914400" lvl="1" indent="-457200">
@@ -4779,7 +4736,7 @@
               <a:buAutoNum type="arabicParenR"/>
             </a:pPr>
             <a:r>
-              <a:rPr lang="en-US" dirty="0" smtClean="0"/>
+              <a:rPr lang="en-US" dirty="0"/>
               <a:t>Mount Drive</a:t>
             </a:r>
           </a:p>
@@ -4789,15 +4746,15 @@
               <a:buAutoNum type="arabicParenR"/>
             </a:pPr>
             <a:r>
-              <a:rPr lang="en-US" dirty="0" smtClean="0"/>
+              <a:rPr lang="en-US" dirty="0"/>
               <a:t>Set the path to the data folder “</a:t>
             </a:r>
             <a:r>
-              <a:rPr lang="en-US" dirty="0" err="1" smtClean="0"/>
+              <a:rPr lang="en-US" dirty="0" err="1"/>
               <a:t>BERT_Fine</a:t>
             </a:r>
             <a:r>
-              <a:rPr lang="en-US" dirty="0" smtClean="0"/>
+              <a:rPr lang="en-US" dirty="0"/>
               <a:t>-Tuning” on Google Drive</a:t>
             </a:r>
           </a:p>
@@ -4807,7 +4764,7 @@
               <a:buAutoNum type="arabicParenR"/>
             </a:pPr>
             <a:r>
-              <a:rPr lang="en-US" dirty="0" smtClean="0"/>
+              <a:rPr lang="en-US" dirty="0"/>
               <a:t>Set up GPU </a:t>
             </a:r>
           </a:p>
@@ -4819,7 +4776,7 @@
               <a:buNone/>
             </a:pPr>
             <a:r>
-              <a:rPr lang="en-US" b="1" u="sng" dirty="0" smtClean="0"/>
+              <a:rPr lang="en-US" b="1" u="sng" dirty="0"/>
               <a:t>Exercises:</a:t>
             </a:r>
           </a:p>
@@ -4829,7 +4786,7 @@
               <a:buAutoNum type="arabicParenR"/>
             </a:pPr>
             <a:r>
-              <a:rPr lang="en-US" dirty="0" smtClean="0"/>
+              <a:rPr lang="en-US" dirty="0"/>
               <a:t>Preprocess the Tweeter-Dataset.</a:t>
             </a:r>
           </a:p>
@@ -4838,7 +4795,7 @@
               <a:buAutoNum type="arabicParenR"/>
             </a:pPr>
             <a:r>
-              <a:rPr lang="en-US" dirty="0" smtClean="0"/>
+              <a:rPr lang="en-US" dirty="0"/>
               <a:t>Split into Train Test Sets.</a:t>
             </a:r>
           </a:p>
@@ -4847,7 +4804,7 @@
               <a:buAutoNum type="arabicParenR"/>
             </a:pPr>
             <a:r>
-              <a:rPr lang="en-US" dirty="0" smtClean="0"/>
+              <a:rPr lang="en-US" dirty="0"/>
               <a:t>Fine-tune and evaluate your model.</a:t>
             </a:r>
           </a:p>
@@ -4856,7 +4813,7 @@
               <a:buAutoNum type="arabicParenR"/>
             </a:pPr>
             <a:r>
-              <a:rPr lang="en-US" dirty="0" smtClean="0"/>
+              <a:rPr lang="en-US" dirty="0"/>
               <a:t>Print out the accuracy score.</a:t>
             </a:r>
           </a:p>
@@ -4866,15 +4823,15 @@
               <a:buAutoNum type="arabicParenR"/>
             </a:pPr>
             <a:r>
-              <a:rPr lang="en-US" dirty="0" smtClean="0"/>
+              <a:rPr lang="en-US" dirty="0"/>
               <a:t>Additionally use </a:t>
             </a:r>
             <a:r>
-              <a:rPr lang="en-US" dirty="0" err="1" smtClean="0"/>
+              <a:rPr lang="en-US" dirty="0" err="1"/>
               <a:t>Germeval</a:t>
             </a:r>
             <a:r>
-              <a:rPr lang="en-US" dirty="0" smtClean="0"/>
+              <a:rPr lang="en-US" dirty="0"/>
               <a:t> Dataset for Training.</a:t>
             </a:r>
           </a:p>
@@ -4884,15 +4841,15 @@
               <a:buAutoNum type="arabicParenR"/>
             </a:pPr>
             <a:r>
-              <a:rPr lang="en-US" dirty="0" smtClean="0"/>
+              <a:rPr lang="en-US" dirty="0"/>
               <a:t>Try another </a:t>
             </a:r>
             <a:r>
-              <a:rPr lang="en-US" dirty="0" err="1" smtClean="0"/>
+              <a:rPr lang="en-US" dirty="0" err="1"/>
               <a:t>pretrained</a:t>
             </a:r>
             <a:r>
-              <a:rPr lang="en-US" dirty="0" smtClean="0"/>
+              <a:rPr lang="en-US" dirty="0"/>
               <a:t> model available in transformers library.</a:t>
             </a:r>
           </a:p>
@@ -4901,43 +4858,35 @@
               <a:buAutoNum type="arabicParenR"/>
             </a:pPr>
             <a:r>
-              <a:rPr lang="en-US" dirty="0" smtClean="0"/>
+              <a:rPr lang="en-US" dirty="0"/>
               <a:t>Try another set of </a:t>
             </a:r>
             <a:r>
-              <a:rPr lang="en-US" dirty="0" err="1" smtClean="0"/>
+              <a:rPr lang="en-US" dirty="0" err="1"/>
               <a:t>hyperparameters</a:t>
             </a:r>
             <a:r>
-              <a:rPr lang="en-US" dirty="0" smtClean="0"/>
-              <a:t> recommended by BERT</a:t>
-            </a:r>
-            <a:r>
               <a:rPr lang="en-US" dirty="0"/>
-              <a:t>-</a:t>
-            </a:r>
-            <a:r>
-              <a:rPr lang="en-US" dirty="0" smtClean="0"/>
-              <a:t>authors.</a:t>
+              <a:t> recommended by BERT-authors.</a:t>
             </a:r>
           </a:p>
           <a:p>
             <a:pPr marL="0" indent="0">
               <a:buNone/>
             </a:pPr>
-            <a:endParaRPr lang="en-US" dirty="0" smtClean="0"/>
+            <a:endParaRPr lang="en-US" dirty="0"/>
           </a:p>
           <a:p>
             <a:pPr marL="514350" indent="-514350">
               <a:buAutoNum type="arabicParenR"/>
             </a:pPr>
-            <a:endParaRPr lang="en-US" dirty="0" smtClean="0"/>
+            <a:endParaRPr lang="en-US" dirty="0"/>
           </a:p>
           <a:p>
             <a:pPr marL="514350" indent="-514350">
               <a:buAutoNum type="arabicParenR"/>
             </a:pPr>
-            <a:endParaRPr lang="en-US" dirty="0" smtClean="0"/>
+            <a:endParaRPr lang="en-US" dirty="0"/>
           </a:p>
         </p:txBody>
       </p:sp>
@@ -5010,7 +4959,7 @@
           <a:lstStyle/>
           <a:p>
             <a:r>
-              <a:rPr lang="en-US" b="1" dirty="0" smtClean="0">
+              <a:rPr lang="en-US" b="1" dirty="0">
                 <a:effectLst>
                   <a:outerShdw blurRad="38100" dist="38100" dir="2700000" algn="tl">
                     <a:srgbClr val="000000">
@@ -5021,15 +4970,6 @@
               </a:rPr>
               <a:t>BERT</a:t>
             </a:r>
-            <a:endParaRPr lang="en-US" b="1" dirty="0">
-              <a:effectLst>
-                <a:outerShdw blurRad="38100" dist="38100" dir="2700000" algn="tl">
-                  <a:srgbClr val="000000">
-                    <a:alpha val="43137"/>
-                  </a:srgbClr>
-                </a:outerShdw>
-              </a:effectLst>
-            </a:endParaRPr>
           </a:p>
         </p:txBody>
       </p:sp>
@@ -5049,7 +4989,7 @@
           <a:lstStyle/>
           <a:p>
             <a:r>
-              <a:rPr lang="en-US" b="1" dirty="0" smtClean="0">
+              <a:rPr lang="en-US" b="1" dirty="0">
                 <a:effectLst>
                   <a:outerShdw blurRad="38100" dist="38100" dir="2700000" algn="tl">
                     <a:srgbClr val="000000">
@@ -5060,15 +5000,6 @@
               </a:rPr>
               <a:t>Literature and References</a:t>
             </a:r>
-            <a:endParaRPr lang="en-US" b="1" dirty="0">
-              <a:effectLst>
-                <a:outerShdw blurRad="38100" dist="38100" dir="2700000" algn="tl">
-                  <a:srgbClr val="000000">
-                    <a:alpha val="43137"/>
-                  </a:srgbClr>
-                </a:outerShdw>
-              </a:effectLst>
-            </a:endParaRPr>
           </a:p>
         </p:txBody>
       </p:sp>
@@ -5148,7 +5079,7 @@
           <a:lstStyle/>
           <a:p>
             <a:r>
-              <a:rPr lang="en-GB" dirty="0" smtClean="0">
+              <a:rPr lang="en-GB" dirty="0">
                 <a:hlinkClick r:id="rId2"/>
               </a:rPr>
               <a:t>https://d2l.ai/</a:t>
@@ -5156,7 +5087,7 @@
           </a:p>
           <a:p>
             <a:r>
-              <a:rPr lang="en-GB" dirty="0" smtClean="0">
+              <a:rPr lang="en-GB" dirty="0">
                 <a:hlinkClick r:id="rId2"/>
               </a:rPr>
               <a:t>https://www.deeplearningbook.org/</a:t>
@@ -5164,7 +5095,7 @@
           </a:p>
           <a:p>
             <a:r>
-              <a:rPr lang="en-GB" dirty="0" smtClean="0">
+              <a:rPr lang="en-GB" dirty="0">
                 <a:hlinkClick r:id="rId2"/>
               </a:rPr>
               <a:t>https://www.manning.com/books/deep-learning-with-python?query=deep%20learning%20with%20Python</a:t>
@@ -5172,7 +5103,7 @@
           </a:p>
           <a:p>
             <a:r>
-              <a:rPr lang="en-GB" dirty="0" smtClean="0">
+              <a:rPr lang="en-GB" dirty="0">
                 <a:hlinkClick r:id="rId2"/>
               </a:rPr>
               <a:t>https://www.manning.com/books/deep-learning-with-r</a:t>
@@ -5180,66 +5111,36 @@
           </a:p>
           <a:p>
             <a:r>
-              <a:rPr lang="en-GB" dirty="0" smtClean="0">
-                <a:hlinkClick r:id="rId2"/>
-              </a:rPr>
-              <a:t>https</a:t>
-            </a:r>
-            <a:r>
               <a:rPr lang="en-GB" dirty="0">
                 <a:hlinkClick r:id="rId2"/>
               </a:rPr>
-              <a:t>://</a:t>
-            </a:r>
-            <a:r>
-              <a:rPr lang="en-GB" dirty="0" smtClean="0">
-                <a:hlinkClick r:id="rId2"/>
-              </a:rPr>
-              <a:t>arxiv.org/pdf/1810.04805.pdf</a:t>
-            </a:r>
-            <a:r>
-              <a:rPr lang="en-GB" dirty="0" smtClean="0"/>
+              <a:t>https://arxiv.org/pdf/1810.04805.pdf</a:t>
+            </a:r>
+            <a:r>
+              <a:rPr lang="en-GB" dirty="0"/>
               <a:t>Pan, S. J. and Yang, Q. (2010). </a:t>
             </a:r>
             <a:r>
-              <a:rPr lang="en-GB" dirty="0" smtClean="0">
+              <a:rPr lang="en-GB" dirty="0">
                 <a:hlinkClick r:id="rId3"/>
               </a:rPr>
               <a:t>https://ieeexplore.ieee.org/document/5288526</a:t>
             </a:r>
-            <a:endParaRPr lang="en-GB" dirty="0" smtClean="0"/>
+            <a:endParaRPr lang="en-GB" dirty="0"/>
           </a:p>
           <a:p>
             <a:r>
               <a:rPr lang="en-GB" dirty="0"/>
-              <a:t>Ruder, S. (2019). Neural transfer learning for natural </a:t>
-            </a:r>
-            <a:r>
-              <a:rPr lang="en-GB" dirty="0" smtClean="0"/>
-              <a:t>language processing</a:t>
-            </a:r>
-            <a:r>
-              <a:rPr lang="en-GB" dirty="0"/>
-              <a:t>. PhD thesis, National University of Ireland</a:t>
-            </a:r>
-            <a:r>
-              <a:rPr lang="en-GB" dirty="0" smtClean="0"/>
-              <a:t>. </a:t>
-            </a:r>
-            <a:r>
-              <a:rPr lang="en-GB" dirty="0" smtClean="0">
-                <a:hlinkClick r:id="rId4"/>
-              </a:rPr>
-              <a:t>https</a:t>
+              <a:t>Ruder, S. (2019). Neural transfer learning for natural language processing. PhD thesis, National University of Ireland. </a:t>
             </a:r>
             <a:r>
               <a:rPr lang="en-GB" dirty="0">
                 <a:hlinkClick r:id="rId4"/>
               </a:rPr>
-              <a:t>://ruder.io/thesis/neural transfer learning for nlp.pdf</a:t>
-            </a:r>
-            <a:r>
-              <a:rPr lang="en-GB" dirty="0" smtClean="0"/>
+              <a:t>https://ruder.io/thesis/neural transfer learning for nlp.pdf</a:t>
+            </a:r>
+            <a:r>
+              <a:rPr lang="en-GB" dirty="0"/>
               <a:t>.</a:t>
             </a:r>
           </a:p>
@@ -5248,73 +5149,49 @@
               <a:rPr lang="en-GB" u="sng" dirty="0">
                 <a:hlinkClick r:id="rId5"/>
               </a:rPr>
-              <a:t>https://</a:t>
-            </a:r>
-            <a:r>
-              <a:rPr lang="en-GB" u="sng" dirty="0" smtClean="0">
-                <a:hlinkClick r:id="rId5"/>
-              </a:rPr>
-              <a:t>arxiv.org/pdf/1706.03762.pdf</a:t>
-            </a:r>
-            <a:endParaRPr lang="en-GB" u="sng" dirty="0" smtClean="0"/>
-          </a:p>
-          <a:p>
-            <a:r>
-              <a:rPr lang="en-GB" u="sng" dirty="0" smtClean="0">
-                <a:hlinkClick r:id="rId6"/>
-              </a:rPr>
-              <a:t>https</a:t>
-            </a:r>
+              <a:t>https://arxiv.org/pdf/1706.03762.pdf</a:t>
+            </a:r>
+            <a:endParaRPr lang="en-GB" u="sng" dirty="0"/>
+          </a:p>
+          <a:p>
             <a:r>
               <a:rPr lang="en-GB" u="sng" dirty="0">
                 <a:hlinkClick r:id="rId6"/>
               </a:rPr>
-              <a:t>://</a:t>
-            </a:r>
-            <a:r>
-              <a:rPr lang="en-GB" u="sng" dirty="0" smtClean="0">
-                <a:hlinkClick r:id="rId6"/>
-              </a:rPr>
-              <a:t>www.aclweb.org/anthology/N19-1242.pdf</a:t>
-            </a:r>
-            <a:endParaRPr lang="en-GB" u="sng" dirty="0" smtClean="0"/>
+              <a:t>https://www.aclweb.org/anthology/N19-1242.pdf</a:t>
+            </a:r>
+            <a:endParaRPr lang="en-GB" u="sng" dirty="0"/>
           </a:p>
           <a:p>
             <a:r>
               <a:rPr lang="en-GB" u="sng" dirty="0">
                 <a:hlinkClick r:id="rId7"/>
               </a:rPr>
-              <a:t>https://</a:t>
-            </a:r>
-            <a:r>
-              <a:rPr lang="en-GB" u="sng" dirty="0" smtClean="0">
-                <a:hlinkClick r:id="rId7"/>
-              </a:rPr>
-              <a:t>deepset.ai/german-bert</a:t>
-            </a:r>
-            <a:endParaRPr lang="en-GB" u="sng" dirty="0" smtClean="0"/>
+              <a:t>https://deepset.ai/german-bert</a:t>
+            </a:r>
+            <a:endParaRPr lang="en-GB" u="sng" dirty="0"/>
           </a:p>
           <a:p>
             <a:r>
               <a:rPr lang="en-GB" dirty="0"/>
               <a:t>https://huggingface.co/dbmdz/bert-base-german-cased</a:t>
             </a:r>
-            <a:endParaRPr lang="en-GB" u="sng" dirty="0" smtClean="0"/>
-          </a:p>
-          <a:p>
-            <a:r>
-              <a:rPr lang="en-GB" u="sng" dirty="0" smtClean="0">
+            <a:endParaRPr lang="en-GB" u="sng" dirty="0"/>
+          </a:p>
+          <a:p>
+            <a:r>
+              <a:rPr lang="en-GB" u="sng" dirty="0">
                 <a:hlinkClick r:id="rId8"/>
               </a:rPr>
               <a:t>https://huggingface.co/transformers/model_doc/bert.html#tfbertforsequenceclassification</a:t>
             </a:r>
-            <a:endParaRPr lang="en-GB" u="sng" dirty="0" smtClean="0"/>
+            <a:endParaRPr lang="en-GB" u="sng" dirty="0"/>
           </a:p>
           <a:p>
             <a:endParaRPr lang="en-GB" dirty="0"/>
           </a:p>
           <a:p>
-            <a:endParaRPr lang="en-GB" u="sng" dirty="0" smtClean="0"/>
+            <a:endParaRPr lang="en-GB" u="sng" dirty="0"/>
           </a:p>
           <a:p>
             <a:endParaRPr lang="en-US" dirty="0"/>
@@ -5390,7 +5267,7 @@
           <a:lstStyle/>
           <a:p>
             <a:r>
-              <a:rPr lang="en-US" b="1" dirty="0" smtClean="0">
+              <a:rPr lang="en-US" b="1" dirty="0">
                 <a:effectLst>
                   <a:outerShdw blurRad="38100" dist="38100" dir="2700000" algn="tl">
                     <a:srgbClr val="000000">
@@ -5401,15 +5278,6 @@
               </a:rPr>
               <a:t>BERT</a:t>
             </a:r>
-            <a:endParaRPr lang="en-US" b="1" dirty="0">
-              <a:effectLst>
-                <a:outerShdw blurRad="38100" dist="38100" dir="2700000" algn="tl">
-                  <a:srgbClr val="000000">
-                    <a:alpha val="43137"/>
-                  </a:srgbClr>
-                </a:outerShdw>
-              </a:effectLst>
-            </a:endParaRPr>
           </a:p>
         </p:txBody>
       </p:sp>
@@ -5429,7 +5297,7 @@
           <a:lstStyle/>
           <a:p>
             <a:r>
-              <a:rPr lang="en-US" b="1" dirty="0" smtClean="0">
+              <a:rPr lang="en-US" b="1" dirty="0">
                 <a:effectLst>
                   <a:outerShdw blurRad="38100" dist="38100" dir="2700000" algn="tl">
                     <a:srgbClr val="000000">
@@ -5440,15 +5308,6 @@
               </a:rPr>
               <a:t>Theoretical Background</a:t>
             </a:r>
-            <a:endParaRPr lang="en-US" b="1" dirty="0">
-              <a:effectLst>
-                <a:outerShdw blurRad="38100" dist="38100" dir="2700000" algn="tl">
-                  <a:srgbClr val="000000">
-                    <a:alpha val="43137"/>
-                  </a:srgbClr>
-                </a:outerShdw>
-              </a:effectLst>
-            </a:endParaRPr>
           </a:p>
         </p:txBody>
       </p:sp>
@@ -5521,10 +5380,9 @@
           <a:lstStyle/>
           <a:p>
             <a:r>
-              <a:rPr lang="en-US" dirty="0" smtClean="0"/>
+              <a:rPr lang="en-US" dirty="0"/>
               <a:t>Outline</a:t>
             </a:r>
-            <a:endParaRPr lang="en-US" dirty="0"/>
           </a:p>
         </p:txBody>
       </p:sp>
@@ -5550,7 +5408,7 @@
               <a:buAutoNum type="romanLcPeriod"/>
             </a:pPr>
             <a:r>
-              <a:rPr lang="en-US" dirty="0" smtClean="0"/>
+              <a:rPr lang="en-US" dirty="0"/>
               <a:t>Introduction to Deep Learning</a:t>
             </a:r>
           </a:p>
@@ -5560,7 +5418,7 @@
               <a:buAutoNum type="romanLcPeriod"/>
             </a:pPr>
             <a:r>
-              <a:rPr lang="en-US" dirty="0" smtClean="0"/>
+              <a:rPr lang="en-US" dirty="0"/>
               <a:t>BERT</a:t>
             </a:r>
           </a:p>
@@ -5634,7 +5492,7 @@
               <a:buAutoNum type="romanLcPeriod"/>
             </a:pPr>
             <a:r>
-              <a:rPr lang="en-US" dirty="0" smtClean="0"/>
+              <a:rPr lang="en-US" dirty="0"/>
               <a:t>Advanced Application: Aspect Based Sentiment Analysis</a:t>
             </a:r>
           </a:p>
@@ -5644,10 +5502,10 @@
               <a:buAutoNum type="romanLcPeriod"/>
             </a:pPr>
             <a:r>
-              <a:rPr lang="en-US" dirty="0" err="1" smtClean="0"/>
+              <a:rPr lang="en-US" dirty="0" err="1"/>
               <a:t>Postprocessing</a:t>
             </a:r>
-            <a:endParaRPr lang="en-US" dirty="0" smtClean="0"/>
+            <a:endParaRPr lang="en-US" dirty="0"/>
           </a:p>
           <a:p>
             <a:pPr marL="1485900" lvl="2" indent="-571500">
@@ -5655,7 +5513,7 @@
               <a:buAutoNum type="romanLcPeriod"/>
             </a:pPr>
             <a:r>
-              <a:rPr lang="en-US" dirty="0" smtClean="0"/>
+              <a:rPr lang="en-US" dirty="0"/>
               <a:t>Aspect Extraction</a:t>
             </a:r>
           </a:p>
@@ -5665,7 +5523,7 @@
               <a:buAutoNum type="romanLcPeriod"/>
             </a:pPr>
             <a:r>
-              <a:rPr lang="en-US" dirty="0" smtClean="0"/>
+              <a:rPr lang="en-US" dirty="0"/>
               <a:t>Aspect Sentiment Classification </a:t>
             </a:r>
           </a:p>
@@ -5674,7 +5532,7 @@
               <a:buFont typeface="+mj-lt"/>
               <a:buAutoNum type="romanLcPeriod"/>
             </a:pPr>
-            <a:endParaRPr lang="en-US" dirty="0" smtClean="0"/>
+            <a:endParaRPr lang="en-US" dirty="0"/>
           </a:p>
         </p:txBody>
       </p:sp>
@@ -5747,10 +5605,9 @@
           <a:lstStyle/>
           <a:p>
             <a:r>
-              <a:rPr lang="en-US" b="1" dirty="0" smtClean="0"/>
+              <a:rPr lang="en-US" b="1" dirty="0"/>
               <a:t>Introduction to Deep Learning</a:t>
             </a:r>
-            <a:endParaRPr lang="en-US" b="1" dirty="0"/>
           </a:p>
         </p:txBody>
       </p:sp>
@@ -5770,46 +5627,46 @@
           <a:lstStyle/>
           <a:p>
             <a:r>
-              <a:rPr lang="en-US" dirty="0" smtClean="0"/>
+              <a:rPr lang="en-US" dirty="0"/>
               <a:t>Part of Artificial Intelligence: Aims to simulate human intelligence processes by computer systems</a:t>
             </a:r>
           </a:p>
           <a:p>
             <a:r>
-              <a:rPr lang="en-US" dirty="0" smtClean="0"/>
+              <a:rPr lang="en-US" dirty="0"/>
               <a:t>Deep neural networks are inspired by the organization of neurons in biological (human) brains</a:t>
             </a:r>
           </a:p>
           <a:p>
             <a:r>
-              <a:rPr lang="en-US" dirty="0" smtClean="0"/>
+              <a:rPr lang="en-US" dirty="0"/>
               <a:t>Applications of Deep Learning:</a:t>
             </a:r>
           </a:p>
           <a:p>
             <a:pPr lvl="1"/>
             <a:r>
-              <a:rPr lang="en-US" dirty="0" smtClean="0"/>
+              <a:rPr lang="en-US" dirty="0"/>
               <a:t>Machine Translation: Google Translate</a:t>
             </a:r>
           </a:p>
           <a:p>
             <a:pPr lvl="1"/>
             <a:r>
-              <a:rPr lang="en-US" dirty="0" smtClean="0"/>
+              <a:rPr lang="en-US" dirty="0"/>
               <a:t>Speech Recognition and Generation (OK, Google…)</a:t>
             </a:r>
           </a:p>
           <a:p>
             <a:pPr lvl="1"/>
             <a:r>
-              <a:rPr lang="en-US" dirty="0" smtClean="0"/>
+              <a:rPr lang="en-US" dirty="0"/>
               <a:t>Self-Driving Cars</a:t>
             </a:r>
           </a:p>
           <a:p>
             <a:pPr lvl="1"/>
-            <a:endParaRPr lang="en-US" dirty="0" smtClean="0"/>
+            <a:endParaRPr lang="en-US" dirty="0"/>
           </a:p>
           <a:p>
             <a:pPr lvl="1"/>
@@ -5929,24 +5786,23 @@
           <a:lstStyle/>
           <a:p>
             <a:r>
-              <a:rPr lang="en-US" b="1" dirty="0" smtClean="0"/>
+              <a:rPr lang="en-US" b="1" dirty="0"/>
               <a:t>General Goal</a:t>
             </a:r>
             <a:r>
-              <a:rPr lang="en-US" dirty="0" smtClean="0"/>
+              <a:rPr lang="en-US" dirty="0"/>
               <a:t>: Learn complex functions, recognize patterns and generalize them</a:t>
             </a:r>
           </a:p>
           <a:p>
             <a:r>
-              <a:rPr lang="en-US" b="1" dirty="0" smtClean="0"/>
+              <a:rPr lang="en-US" b="1" dirty="0"/>
               <a:t>Core elements</a:t>
             </a:r>
             <a:r>
-              <a:rPr lang="en-US" dirty="0" smtClean="0"/>
+              <a:rPr lang="en-US" dirty="0"/>
               <a:t>: Artificial Neurons</a:t>
             </a:r>
-            <a:endParaRPr lang="en-US" dirty="0"/>
           </a:p>
         </p:txBody>
       </p:sp>
@@ -6522,10 +6378,9 @@
           <a:lstStyle/>
           <a:p>
             <a:r>
-              <a:rPr lang="en-US" dirty="0" smtClean="0"/>
+              <a:rPr lang="en-US" dirty="0"/>
               <a:t>Input Layer</a:t>
             </a:r>
-            <a:endParaRPr lang="en-US" dirty="0"/>
           </a:p>
         </p:txBody>
       </p:sp>
@@ -6552,10 +6407,9 @@
           <a:lstStyle/>
           <a:p>
             <a:r>
-              <a:rPr lang="en-US" dirty="0" smtClean="0"/>
+              <a:rPr lang="en-US" dirty="0"/>
               <a:t>Hidden Layer</a:t>
             </a:r>
-            <a:endParaRPr lang="en-US" dirty="0"/>
           </a:p>
         </p:txBody>
       </p:sp>
@@ -6582,10 +6436,9 @@
           <a:lstStyle/>
           <a:p>
             <a:r>
-              <a:rPr lang="en-US" dirty="0" smtClean="0"/>
+              <a:rPr lang="en-US" dirty="0"/>
               <a:t>Output Layer</a:t>
             </a:r>
-            <a:endParaRPr lang="en-US" dirty="0"/>
           </a:p>
         </p:txBody>
       </p:sp>
@@ -7091,42 +6944,33 @@
           <a:lstStyle/>
           <a:p>
             <a:r>
-              <a:rPr lang="en-US" b="1" dirty="0" smtClean="0"/>
+              <a:rPr lang="en-US" b="1" dirty="0"/>
               <a:t>Basic Structure</a:t>
             </a:r>
             <a:r>
-              <a:rPr lang="en-US" dirty="0" smtClean="0"/>
+              <a:rPr lang="en-US" dirty="0"/>
               <a:t>: Feedforward Neural Network</a:t>
             </a:r>
           </a:p>
           <a:p>
             <a:r>
-              <a:rPr lang="en-US" b="1" dirty="0" smtClean="0"/>
+              <a:rPr lang="en-US" b="1" dirty="0"/>
               <a:t>Optimization</a:t>
             </a:r>
             <a:r>
-              <a:rPr lang="en-US" dirty="0" smtClean="0"/>
+              <a:rPr lang="en-US" dirty="0"/>
               <a:t>: Gradient Descent with Backpropagation</a:t>
             </a:r>
           </a:p>
           <a:p>
             <a:r>
-              <a:rPr lang="en-US" b="1" dirty="0" err="1" smtClean="0"/>
+              <a:rPr lang="en-US" b="1" dirty="0" err="1"/>
               <a:t>Hyperparameters</a:t>
             </a:r>
             <a:r>
-              <a:rPr lang="en-US" dirty="0" smtClean="0"/>
-              <a:t>: Learning rate, Batch-size, Number of training </a:t>
-            </a:r>
-            <a:r>
               <a:rPr lang="en-US" dirty="0"/>
-              <a:t>e</a:t>
-            </a:r>
-            <a:r>
-              <a:rPr lang="en-US" dirty="0" smtClean="0"/>
-              <a:t>pochs</a:t>
-            </a:r>
-            <a:endParaRPr lang="en-US" dirty="0"/>
+              <a:t>: Learning rate, Batch-size, Number of training epochs</a:t>
+            </a:r>
           </a:p>
         </p:txBody>
       </p:sp>
@@ -7376,10 +7220,9 @@
           <a:lstStyle/>
           <a:p>
             <a:r>
-              <a:rPr lang="en-US" dirty="0" smtClean="0"/>
+              <a:rPr lang="en-US" dirty="0"/>
               <a:t>Input Layer</a:t>
             </a:r>
-            <a:endParaRPr lang="en-US" dirty="0"/>
           </a:p>
         </p:txBody>
       </p:sp>
@@ -7406,10 +7249,9 @@
           <a:lstStyle/>
           <a:p>
             <a:r>
-              <a:rPr lang="en-US" dirty="0" smtClean="0"/>
+              <a:rPr lang="en-US" dirty="0"/>
               <a:t>Hidden Layer</a:t>
             </a:r>
-            <a:endParaRPr lang="en-US" dirty="0"/>
           </a:p>
         </p:txBody>
       </p:sp>
@@ -7436,10 +7278,9 @@
           <a:lstStyle/>
           <a:p>
             <a:r>
-              <a:rPr lang="en-US" dirty="0" smtClean="0"/>
+              <a:rPr lang="en-US" dirty="0"/>
               <a:t>Output Layer</a:t>
             </a:r>
-            <a:endParaRPr lang="en-US" dirty="0"/>
           </a:p>
         </p:txBody>
       </p:sp>
@@ -7466,10 +7307,9 @@
           <a:lstStyle/>
           <a:p>
             <a:r>
-              <a:rPr lang="en-US" dirty="0" smtClean="0"/>
+              <a:rPr lang="en-US" dirty="0"/>
               <a:t>Weight 1</a:t>
             </a:r>
-            <a:endParaRPr lang="en-US" dirty="0"/>
           </a:p>
         </p:txBody>
       </p:sp>
@@ -7496,10 +7336,9 @@
           <a:lstStyle/>
           <a:p>
             <a:r>
-              <a:rPr lang="en-US" dirty="0" smtClean="0"/>
+              <a:rPr lang="en-US" dirty="0"/>
               <a:t>Weight 2</a:t>
             </a:r>
-            <a:endParaRPr lang="en-US" dirty="0"/>
           </a:p>
         </p:txBody>
       </p:sp>
@@ -7526,10 +7365,9 @@
           <a:lstStyle/>
           <a:p>
             <a:r>
-              <a:rPr lang="en-US" dirty="0" smtClean="0"/>
+              <a:rPr lang="en-US" dirty="0"/>
               <a:t>Weight 3</a:t>
             </a:r>
-            <a:endParaRPr lang="en-US" dirty="0"/>
           </a:p>
         </p:txBody>
       </p:sp>
@@ -7645,7 +7483,7 @@
           <a:lstStyle/>
           <a:p>
             <a:r>
-              <a:rPr lang="el-GR" sz="4800" dirty="0" smtClean="0"/>
+              <a:rPr lang="el-GR" sz="4800" dirty="0"/>
               <a:t>Σ</a:t>
             </a:r>
             <a:endParaRPr lang="en-US" sz="4800" dirty="0"/>
@@ -7751,10 +7589,9 @@
           <a:lstStyle/>
           <a:p>
             <a:r>
-              <a:rPr lang="en-US" b="1" dirty="0" smtClean="0"/>
+              <a:rPr lang="en-US" b="1" dirty="0"/>
               <a:t>BERT</a:t>
             </a:r>
-            <a:endParaRPr lang="en-US" b="1" dirty="0"/>
           </a:p>
         </p:txBody>
       </p:sp>
@@ -7774,73 +7611,73 @@
           <a:lstStyle/>
           <a:p>
             <a:r>
-              <a:rPr lang="en-US" b="1" dirty="0" smtClean="0"/>
+              <a:rPr lang="en-US" b="1" dirty="0"/>
               <a:t>B</a:t>
             </a:r>
             <a:r>
-              <a:rPr lang="en-US" dirty="0" smtClean="0"/>
+              <a:rPr lang="en-US" dirty="0"/>
               <a:t>idirectional </a:t>
             </a:r>
             <a:r>
-              <a:rPr lang="en-US" b="1" dirty="0" smtClean="0"/>
+              <a:rPr lang="en-US" b="1" dirty="0"/>
               <a:t>E</a:t>
             </a:r>
             <a:r>
-              <a:rPr lang="en-US" dirty="0" smtClean="0"/>
+              <a:rPr lang="en-US" dirty="0"/>
               <a:t>ncoder </a:t>
             </a:r>
             <a:r>
-              <a:rPr lang="en-US" b="1" dirty="0" smtClean="0"/>
+              <a:rPr lang="en-US" b="1" dirty="0"/>
               <a:t>R</a:t>
             </a:r>
             <a:r>
-              <a:rPr lang="en-US" dirty="0" smtClean="0"/>
+              <a:rPr lang="en-US" dirty="0"/>
               <a:t>epresentations from </a:t>
             </a:r>
             <a:r>
-              <a:rPr lang="en-US" b="1" dirty="0" smtClean="0"/>
+              <a:rPr lang="en-US" b="1" dirty="0"/>
               <a:t>T</a:t>
             </a:r>
             <a:r>
-              <a:rPr lang="en-US" dirty="0" smtClean="0"/>
+              <a:rPr lang="en-US" dirty="0"/>
               <a:t>ransformers</a:t>
             </a:r>
           </a:p>
           <a:p>
             <a:r>
-              <a:rPr lang="en-US" dirty="0" smtClean="0"/>
+              <a:rPr lang="en-US" dirty="0"/>
               <a:t>Modern Deep Learning-based NLP-model </a:t>
             </a:r>
           </a:p>
           <a:p>
             <a:r>
-              <a:rPr lang="en-US" dirty="0" smtClean="0"/>
+              <a:rPr lang="en-US" dirty="0"/>
               <a:t>Architecture developed by Google researchers</a:t>
             </a:r>
           </a:p>
           <a:p>
             <a:r>
-              <a:rPr lang="en-US" dirty="0" smtClean="0"/>
+              <a:rPr lang="en-US" dirty="0"/>
               <a:t>Power of the Transformer model: Attention mechanism allows for much more parallelization</a:t>
             </a:r>
           </a:p>
           <a:p>
             <a:r>
-              <a:rPr lang="en-US" dirty="0" smtClean="0"/>
+              <a:rPr lang="en-US" dirty="0"/>
               <a:t>Power of transfer learning: </a:t>
             </a:r>
             <a:r>
-              <a:rPr lang="en-US" dirty="0" err="1" smtClean="0"/>
+              <a:rPr lang="en-US" dirty="0" err="1"/>
               <a:t>Pretrain</a:t>
             </a:r>
             <a:r>
-              <a:rPr lang="en-US" dirty="0" smtClean="0"/>
+              <a:rPr lang="en-US" dirty="0"/>
               <a:t> language representations and adapt to a specific target task</a:t>
             </a:r>
           </a:p>
           <a:p>
             <a:r>
-              <a:rPr lang="en-GB" dirty="0" smtClean="0"/>
+              <a:rPr lang="en-GB" dirty="0"/>
               <a:t>Implementation: Transformers library by Hugging Face (Python)</a:t>
             </a:r>
             <a:endParaRPr lang="en-US" dirty="0"/>
@@ -7916,10 +7753,9 @@
           <a:lstStyle/>
           <a:p>
             <a:r>
-              <a:rPr lang="en-US" b="1" dirty="0" smtClean="0"/>
+              <a:rPr lang="en-US" b="1" dirty="0"/>
               <a:t>Input Preprocessing </a:t>
             </a:r>
-            <a:endParaRPr lang="en-US" b="1" dirty="0"/>
           </a:p>
         </p:txBody>
       </p:sp>
@@ -7941,101 +7777,73 @@
           <a:lstStyle/>
           <a:p>
             <a:r>
-              <a:rPr lang="en-US" dirty="0" smtClean="0"/>
+              <a:rPr lang="en-US" dirty="0"/>
               <a:t>Tokenization: </a:t>
             </a:r>
             <a:r>
-              <a:rPr lang="en-GB" dirty="0" smtClean="0"/>
-              <a:t>Split </a:t>
-            </a:r>
-            <a:r>
               <a:rPr lang="en-GB" dirty="0"/>
-              <a:t>strings in </a:t>
-            </a:r>
-            <a:r>
-              <a:rPr lang="en-GB" dirty="0" smtClean="0"/>
-              <a:t>word or sub-word </a:t>
-            </a:r>
+              <a:t>Split strings in word or sub-word token strings</a:t>
+            </a:r>
+            <a:endParaRPr lang="en-US" dirty="0"/>
+          </a:p>
+          <a:p>
+            <a:r>
+              <a:rPr lang="en-US" dirty="0"/>
+              <a:t>Converting tokens strings to ids / integers</a:t>
+            </a:r>
+          </a:p>
+          <a:p>
+            <a:r>
+              <a:rPr lang="en-US" dirty="0"/>
+              <a:t>Special tokens: [CLS], [SEP]</a:t>
+            </a:r>
+          </a:p>
+          <a:p>
             <a:r>
               <a:rPr lang="en-GB" dirty="0"/>
-              <a:t>token strings</a:t>
-            </a:r>
-            <a:endParaRPr lang="en-US" dirty="0" smtClean="0"/>
-          </a:p>
-          <a:p>
-            <a:r>
-              <a:rPr lang="en-US" dirty="0" smtClean="0"/>
-              <a:t>Converting </a:t>
-            </a:r>
+              <a:t>BERT can only consume sequences of up to 512 tokens (Padding or Truncation)</a:t>
+            </a:r>
+          </a:p>
+          <a:p>
+            <a:r>
+              <a:rPr lang="en-GB" dirty="0"/>
+              <a:t>Token, Sentence and Positional  </a:t>
+            </a:r>
+            <a:r>
+              <a:rPr lang="en-GB" dirty="0" err="1"/>
+              <a:t>embeddings</a:t>
+            </a:r>
+            <a:endParaRPr lang="en-US" dirty="0"/>
+          </a:p>
+          <a:p>
+            <a:endParaRPr lang="en-US" dirty="0"/>
+          </a:p>
+          <a:p>
             <a:r>
               <a:rPr lang="en-US" dirty="0"/>
-              <a:t>tokens strings to </a:t>
-            </a:r>
-            <a:r>
-              <a:rPr lang="en-US" dirty="0" smtClean="0"/>
-              <a:t>ids / integers</a:t>
-            </a:r>
-          </a:p>
-          <a:p>
-            <a:r>
-              <a:rPr lang="en-US" dirty="0" smtClean="0"/>
-              <a:t>Special tokens: [</a:t>
-            </a:r>
-            <a:r>
-              <a:rPr lang="en-US" dirty="0"/>
-              <a:t>CLS], [SEP]</a:t>
-            </a:r>
-          </a:p>
-          <a:p>
-            <a:r>
-              <a:rPr lang="en-GB" dirty="0"/>
-              <a:t>BERT can only consume sequences of up to 512 </a:t>
-            </a:r>
-            <a:r>
-              <a:rPr lang="en-GB" dirty="0" smtClean="0"/>
-              <a:t>tokens (Padding or Truncation)</a:t>
-            </a:r>
-          </a:p>
-          <a:p>
-            <a:r>
-              <a:rPr lang="en-GB" dirty="0" smtClean="0"/>
-              <a:t>Token, Sentence and Positional  </a:t>
-            </a:r>
-            <a:r>
-              <a:rPr lang="en-GB" dirty="0" err="1" smtClean="0"/>
-              <a:t>embeddings</a:t>
-            </a:r>
-            <a:endParaRPr lang="en-US" dirty="0" smtClean="0"/>
-          </a:p>
-          <a:p>
-            <a:endParaRPr lang="en-US" dirty="0"/>
-          </a:p>
-          <a:p>
-            <a:r>
-              <a:rPr lang="en-US" dirty="0" smtClean="0"/>
               <a:t>Preprocessed input: </a:t>
             </a:r>
           </a:p>
           <a:p>
             <a:pPr lvl="1"/>
             <a:r>
-              <a:rPr lang="de-DE" i="1" dirty="0" smtClean="0"/>
+              <a:rPr lang="de-DE" i="1" dirty="0"/>
               <a:t>[CLS] Die Ausgrenzung von </a:t>
             </a:r>
             <a:r>
-              <a:rPr lang="de-DE" i="1" dirty="0" err="1" smtClean="0"/>
+              <a:rPr lang="de-DE" i="1" dirty="0" err="1"/>
               <a:t>MigrantInnen</a:t>
             </a:r>
             <a:r>
-              <a:rPr lang="de-DE" i="1" dirty="0" smtClean="0"/>
+              <a:rPr lang="de-DE" i="1" dirty="0"/>
               <a:t> von der # </a:t>
             </a:r>
             <a:r>
-              <a:rPr lang="de-DE" i="1" dirty="0" err="1" smtClean="0"/>
+              <a:rPr lang="de-DE" i="1" dirty="0" err="1"/>
               <a:t>EssenerTafel</a:t>
             </a:r>
             <a:r>
-              <a:rPr lang="de-DE" i="1" dirty="0" smtClean="0"/>
+              <a:rPr lang="de-DE" i="1" dirty="0"/>
               <a:t> ist inakzeptabel und rassistisch. Wir dürfen nicht zulassen, dass die Ärmsten gegeneinander ausgespielt werden. [SEP]</a:t>
             </a:r>
             <a:endParaRPr lang="en-US" i="1" dirty="0"/>
@@ -8111,7 +7919,7 @@
           <a:lstStyle/>
           <a:p>
             <a:r>
-              <a:rPr lang="en-US" b="1" dirty="0" err="1" smtClean="0"/>
+              <a:rPr lang="en-US" b="1" dirty="0" err="1"/>
               <a:t>Pretraining</a:t>
             </a:r>
             <a:endParaRPr lang="en-US" b="1" dirty="0"/>
@@ -8136,7 +7944,7 @@
           <a:lstStyle/>
           <a:p>
             <a:r>
-              <a:rPr lang="en-US" dirty="0" smtClean="0"/>
+              <a:rPr lang="en-US" dirty="0"/>
               <a:t>Masked Language Modelling (MLM)</a:t>
             </a:r>
           </a:p>
@@ -8146,7 +7954,7 @@
               <a:buAutoNum type="arabicPeriod"/>
             </a:pPr>
             <a:r>
-              <a:rPr lang="en-US" dirty="0" smtClean="0"/>
+              <a:rPr lang="en-US" dirty="0"/>
               <a:t>Randomly sample 15% of tokens</a:t>
             </a:r>
           </a:p>
@@ -8156,7 +7964,7 @@
               <a:buAutoNum type="arabicPeriod"/>
             </a:pPr>
             <a:r>
-              <a:rPr lang="en-US" dirty="0" smtClean="0"/>
+              <a:rPr lang="en-US" dirty="0"/>
               <a:t>Replace 80% of them by [MASK], 10% by a random token, keep 10% unchanged</a:t>
             </a:r>
           </a:p>
@@ -8166,36 +7974,32 @@
               <a:buAutoNum type="arabicPeriod"/>
             </a:pPr>
             <a:r>
-              <a:rPr lang="en-US" dirty="0" smtClean="0"/>
+              <a:rPr lang="en-US" dirty="0"/>
               <a:t>Given a sequence, predict [MASK]-</a:t>
             </a:r>
             <a:r>
-              <a:rPr lang="en-US" dirty="0" err="1" smtClean="0"/>
+              <a:rPr lang="en-US" dirty="0" err="1"/>
               <a:t>ed</a:t>
             </a:r>
             <a:r>
-              <a:rPr lang="en-US" dirty="0" smtClean="0"/>
+              <a:rPr lang="en-US" dirty="0"/>
               <a:t> tokens</a:t>
             </a:r>
           </a:p>
           <a:p>
-            <a:endParaRPr lang="en-US" dirty="0" smtClean="0"/>
-          </a:p>
-          <a:p>
-            <a:r>
-              <a:rPr lang="en-US" dirty="0" smtClean="0"/>
+            <a:endParaRPr lang="en-US" dirty="0"/>
+          </a:p>
+          <a:p>
+            <a:r>
+              <a:rPr lang="en-US" dirty="0"/>
               <a:t>Input: </a:t>
             </a:r>
           </a:p>
           <a:p>
             <a:pPr lvl="1"/>
             <a:r>
-              <a:rPr lang="de-DE" i="1" dirty="0" smtClean="0"/>
-              <a:t>[</a:t>
-            </a:r>
-            <a:r>
               <a:rPr lang="de-DE" i="1" dirty="0"/>
-              <a:t>CLS] Die Ausgrenzung von </a:t>
+              <a:t>[CLS] Die Ausgrenzung von </a:t>
             </a:r>
             <a:r>
               <a:rPr lang="de-DE" b="1" i="1" dirty="0"/>
@@ -8237,19 +8041,19 @@
           </a:p>
           <a:p>
             <a:r>
-              <a:rPr lang="en-US" dirty="0" smtClean="0"/>
+              <a:rPr lang="en-US" dirty="0"/>
               <a:t>Targets: (</a:t>
             </a:r>
             <a:r>
-              <a:rPr lang="de-DE" i="1" dirty="0" err="1" smtClean="0"/>
+              <a:rPr lang="de-DE" i="1" dirty="0" err="1"/>
               <a:t>MigrantInnen</a:t>
             </a:r>
             <a:r>
-              <a:rPr lang="de-DE" i="1" dirty="0" smtClean="0"/>
+              <a:rPr lang="de-DE" i="1" dirty="0"/>
               <a:t>, rassistisch, Ärmsten</a:t>
             </a:r>
             <a:r>
-              <a:rPr lang="en-US" dirty="0" smtClean="0"/>
+              <a:rPr lang="en-US" dirty="0"/>
               <a:t>)</a:t>
             </a:r>
           </a:p>
